--- a/syllabus/15_mise_en_forme_bootstrap/syllabus_15_bootstrap.pptx
+++ b/syllabus/15_mise_en_forme_bootstrap/syllabus_15_bootstrap.pptx
@@ -2,7 +2,7 @@
 <file path=ppt/presentation.xml><?xml version="1.0" encoding="utf-8"?>
 <p:presentation xmlns:a="http://schemas.openxmlformats.org/drawingml/2006/main" xmlns:r="http://schemas.openxmlformats.org/officeDocument/2006/relationships" xmlns:p="http://schemas.openxmlformats.org/presentationml/2006/main" saveSubsetFonts="1">
   <p:sldMasterIdLst>
-    <p:sldMasterId id="2147483660" r:id="rId1"/>
+    <p:sldMasterId id="2147483672" r:id="rId1"/>
   </p:sldMasterIdLst>
   <p:notesMasterIdLst>
     <p:notesMasterId r:id="rId32"/>
@@ -226,7 +226,7 @@
           <a:p>
             <a:fld id="{02F74473-E200-497B-BF91-4E8E975C195C}" type="datetimeFigureOut">
               <a:rPr lang="fr-BE" smtClean="0"/>
-              <a:t>13-11-23</a:t>
+              <a:t>27-01-25</a:t>
             </a:fld>
             <a:endParaRPr lang="fr-BE"/>
           </a:p>
@@ -1009,7 +1009,12 @@
             <a:off x="1524000" y="1122363"/>
             <a:ext cx="9144000" cy="2387600"/>
           </a:xfrm>
-          <a:noFill/>
+          <a:solidFill>
+            <a:schemeClr val="accent3">
+              <a:lumMod val="40000"/>
+              <a:lumOff val="60000"/>
+            </a:schemeClr>
+          </a:solidFill>
         </p:spPr>
         <p:txBody>
           <a:bodyPr anchor="b">
@@ -1017,7 +1022,11 @@
           </a:bodyPr>
           <a:lstStyle>
             <a:lvl1pPr algn="ctr">
-              <a:defRPr lang="fr-BE"/>
+              <a:defRPr lang="fr-BE">
+                <a:solidFill>
+                  <a:schemeClr val="accent2"/>
+                </a:solidFill>
+              </a:defRPr>
             </a:lvl1pPr>
           </a:lstStyle>
           <a:p>
@@ -1098,10 +1107,93 @@
           </a:p>
         </p:txBody>
       </p:sp>
+      <p:sp>
+        <p:nvSpPr>
+          <p:cNvPr id="4" name="Espace réservé de la date 3">
+            <a:extLst>
+              <a:ext uri="{FF2B5EF4-FFF2-40B4-BE49-F238E27FC236}">
+                <a16:creationId xmlns:a16="http://schemas.microsoft.com/office/drawing/2014/main" id="{7F8EFA58-10A1-BAA7-B65E-A754A43B7544}"/>
+              </a:ext>
+            </a:extLst>
+          </p:cNvPr>
+          <p:cNvSpPr>
+            <a:spLocks noGrp="1"/>
+          </p:cNvSpPr>
+          <p:nvPr>
+            <p:ph type="dt" sz="half" idx="10"/>
+          </p:nvPr>
+        </p:nvSpPr>
+        <p:spPr/>
+        <p:txBody>
+          <a:bodyPr/>
+          <a:lstStyle/>
+          <a:p>
+            <a:fld id="{F3953782-D06E-4853-BE3C-64C197273937}" type="datetimeFigureOut">
+              <a:rPr lang="fr-BE" smtClean="0"/>
+              <a:t>27-01-25</a:t>
+            </a:fld>
+            <a:endParaRPr lang="fr-BE"/>
+          </a:p>
+        </p:txBody>
+      </p:sp>
+      <p:sp>
+        <p:nvSpPr>
+          <p:cNvPr id="5" name="Espace réservé du pied de page 4">
+            <a:extLst>
+              <a:ext uri="{FF2B5EF4-FFF2-40B4-BE49-F238E27FC236}">
+                <a16:creationId xmlns:a16="http://schemas.microsoft.com/office/drawing/2014/main" id="{314B8606-B65F-6EB2-899E-91B5C83E7578}"/>
+              </a:ext>
+            </a:extLst>
+          </p:cNvPr>
+          <p:cNvSpPr>
+            <a:spLocks noGrp="1"/>
+          </p:cNvSpPr>
+          <p:nvPr>
+            <p:ph type="ftr" sz="quarter" idx="11"/>
+          </p:nvPr>
+        </p:nvSpPr>
+        <p:spPr/>
+        <p:txBody>
+          <a:bodyPr/>
+          <a:lstStyle/>
+          <a:p>
+            <a:endParaRPr lang="fr-BE"/>
+          </a:p>
+        </p:txBody>
+      </p:sp>
+      <p:sp>
+        <p:nvSpPr>
+          <p:cNvPr id="6" name="Espace réservé du numéro de diapositive 5">
+            <a:extLst>
+              <a:ext uri="{FF2B5EF4-FFF2-40B4-BE49-F238E27FC236}">
+                <a16:creationId xmlns:a16="http://schemas.microsoft.com/office/drawing/2014/main" id="{CB2FA919-3ED3-80D3-E61B-53F97BE66BE0}"/>
+              </a:ext>
+            </a:extLst>
+          </p:cNvPr>
+          <p:cNvSpPr>
+            <a:spLocks noGrp="1"/>
+          </p:cNvSpPr>
+          <p:nvPr>
+            <p:ph type="sldNum" sz="quarter" idx="12"/>
+          </p:nvPr>
+        </p:nvSpPr>
+        <p:spPr/>
+        <p:txBody>
+          <a:bodyPr/>
+          <a:lstStyle/>
+          <a:p>
+            <a:fld id="{02C092ED-0E97-497E-99D9-BB9DD7276F53}" type="slidenum">
+              <a:rPr lang="fr-BE" smtClean="0"/>
+              <a:t>‹N°›</a:t>
+            </a:fld>
+            <a:endParaRPr lang="fr-BE"/>
+          </a:p>
+        </p:txBody>
+      </p:sp>
     </p:spTree>
     <p:extLst>
       <p:ext uri="{BB962C8B-B14F-4D97-AF65-F5344CB8AC3E}">
-        <p14:creationId xmlns:p14="http://schemas.microsoft.com/office/powerpoint/2010/main" val="2193644757"/>
+        <p14:creationId xmlns:p14="http://schemas.microsoft.com/office/powerpoint/2010/main" val="3398774342"/>
       </p:ext>
     </p:extLst>
   </p:cSld>
@@ -2416,7 +2508,7 @@
     </p:spTree>
     <p:extLst>
       <p:ext uri="{BB962C8B-B14F-4D97-AF65-F5344CB8AC3E}">
-        <p14:creationId xmlns:p14="http://schemas.microsoft.com/office/powerpoint/2010/main" val="2085956787"/>
+        <p14:creationId xmlns:p14="http://schemas.microsoft.com/office/powerpoint/2010/main" val="881108320"/>
       </p:ext>
     </p:extLst>
   </p:cSld>
@@ -2535,10 +2627,93 @@
           </a:p>
         </p:txBody>
       </p:sp>
+      <p:sp>
+        <p:nvSpPr>
+          <p:cNvPr id="4" name="Espace réservé de la date 3">
+            <a:extLst>
+              <a:ext uri="{FF2B5EF4-FFF2-40B4-BE49-F238E27FC236}">
+                <a16:creationId xmlns:a16="http://schemas.microsoft.com/office/drawing/2014/main" id="{3268EF8D-0946-4672-F93D-1040FBC99710}"/>
+              </a:ext>
+            </a:extLst>
+          </p:cNvPr>
+          <p:cNvSpPr>
+            <a:spLocks noGrp="1"/>
+          </p:cNvSpPr>
+          <p:nvPr>
+            <p:ph type="dt" sz="half" idx="10"/>
+          </p:nvPr>
+        </p:nvSpPr>
+        <p:spPr/>
+        <p:txBody>
+          <a:bodyPr/>
+          <a:lstStyle/>
+          <a:p>
+            <a:fld id="{F3953782-D06E-4853-BE3C-64C197273937}" type="datetimeFigureOut">
+              <a:rPr lang="fr-BE" smtClean="0"/>
+              <a:t>27-01-25</a:t>
+            </a:fld>
+            <a:endParaRPr lang="fr-BE"/>
+          </a:p>
+        </p:txBody>
+      </p:sp>
+      <p:sp>
+        <p:nvSpPr>
+          <p:cNvPr id="5" name="Espace réservé du pied de page 4">
+            <a:extLst>
+              <a:ext uri="{FF2B5EF4-FFF2-40B4-BE49-F238E27FC236}">
+                <a16:creationId xmlns:a16="http://schemas.microsoft.com/office/drawing/2014/main" id="{8F8A40D7-7FAD-432F-7B9F-71125A565A95}"/>
+              </a:ext>
+            </a:extLst>
+          </p:cNvPr>
+          <p:cNvSpPr>
+            <a:spLocks noGrp="1"/>
+          </p:cNvSpPr>
+          <p:nvPr>
+            <p:ph type="ftr" sz="quarter" idx="11"/>
+          </p:nvPr>
+        </p:nvSpPr>
+        <p:spPr/>
+        <p:txBody>
+          <a:bodyPr/>
+          <a:lstStyle/>
+          <a:p>
+            <a:endParaRPr lang="fr-BE"/>
+          </a:p>
+        </p:txBody>
+      </p:sp>
+      <p:sp>
+        <p:nvSpPr>
+          <p:cNvPr id="6" name="Espace réservé du numéro de diapositive 5">
+            <a:extLst>
+              <a:ext uri="{FF2B5EF4-FFF2-40B4-BE49-F238E27FC236}">
+                <a16:creationId xmlns:a16="http://schemas.microsoft.com/office/drawing/2014/main" id="{54A3E5DF-3F32-A840-9AC0-4B04DF13C487}"/>
+              </a:ext>
+            </a:extLst>
+          </p:cNvPr>
+          <p:cNvSpPr>
+            <a:spLocks noGrp="1"/>
+          </p:cNvSpPr>
+          <p:nvPr>
+            <p:ph type="sldNum" sz="quarter" idx="12"/>
+          </p:nvPr>
+        </p:nvSpPr>
+        <p:spPr/>
+        <p:txBody>
+          <a:bodyPr/>
+          <a:lstStyle/>
+          <a:p>
+            <a:fld id="{02C092ED-0E97-497E-99D9-BB9DD7276F53}" type="slidenum">
+              <a:rPr lang="fr-BE" smtClean="0"/>
+              <a:t>‹N°›</a:t>
+            </a:fld>
+            <a:endParaRPr lang="fr-BE"/>
+          </a:p>
+        </p:txBody>
+      </p:sp>
     </p:spTree>
     <p:extLst>
       <p:ext uri="{BB962C8B-B14F-4D97-AF65-F5344CB8AC3E}">
-        <p14:creationId xmlns:p14="http://schemas.microsoft.com/office/powerpoint/2010/main" val="1320528076"/>
+        <p14:creationId xmlns:p14="http://schemas.microsoft.com/office/powerpoint/2010/main" val="2334411456"/>
       </p:ext>
     </p:extLst>
   </p:cSld>
@@ -2599,7 +2774,11 @@
           </a:bodyPr>
           <a:lstStyle>
             <a:lvl1pPr>
-              <a:defRPr lang="fr-BE"/>
+              <a:defRPr lang="fr-BE">
+                <a:solidFill>
+                  <a:schemeClr val="accent2"/>
+                </a:solidFill>
+              </a:defRPr>
             </a:lvl1pPr>
           </a:lstStyle>
           <a:p>
@@ -2764,10 +2943,93 @@
           </a:p>
         </p:txBody>
       </p:sp>
+      <p:sp>
+        <p:nvSpPr>
+          <p:cNvPr id="4" name="Espace réservé de la date 3">
+            <a:extLst>
+              <a:ext uri="{FF2B5EF4-FFF2-40B4-BE49-F238E27FC236}">
+                <a16:creationId xmlns:a16="http://schemas.microsoft.com/office/drawing/2014/main" id="{F2D67B63-F450-35EF-442C-62311487D2F4}"/>
+              </a:ext>
+            </a:extLst>
+          </p:cNvPr>
+          <p:cNvSpPr>
+            <a:spLocks noGrp="1"/>
+          </p:cNvSpPr>
+          <p:nvPr>
+            <p:ph type="dt" sz="half" idx="11"/>
+          </p:nvPr>
+        </p:nvSpPr>
+        <p:spPr/>
+        <p:txBody>
+          <a:bodyPr/>
+          <a:lstStyle/>
+          <a:p>
+            <a:fld id="{F3953782-D06E-4853-BE3C-64C197273937}" type="datetimeFigureOut">
+              <a:rPr lang="fr-BE" smtClean="0"/>
+              <a:t>27-01-25</a:t>
+            </a:fld>
+            <a:endParaRPr lang="fr-BE"/>
+          </a:p>
+        </p:txBody>
+      </p:sp>
+      <p:sp>
+        <p:nvSpPr>
+          <p:cNvPr id="6" name="Espace réservé du pied de page 5">
+            <a:extLst>
+              <a:ext uri="{FF2B5EF4-FFF2-40B4-BE49-F238E27FC236}">
+                <a16:creationId xmlns:a16="http://schemas.microsoft.com/office/drawing/2014/main" id="{EBC20ED6-7274-FD2F-773B-9069D53732E9}"/>
+              </a:ext>
+            </a:extLst>
+          </p:cNvPr>
+          <p:cNvSpPr>
+            <a:spLocks noGrp="1"/>
+          </p:cNvSpPr>
+          <p:nvPr>
+            <p:ph type="ftr" sz="quarter" idx="12"/>
+          </p:nvPr>
+        </p:nvSpPr>
+        <p:spPr/>
+        <p:txBody>
+          <a:bodyPr/>
+          <a:lstStyle/>
+          <a:p>
+            <a:endParaRPr lang="fr-BE"/>
+          </a:p>
+        </p:txBody>
+      </p:sp>
+      <p:sp>
+        <p:nvSpPr>
+          <p:cNvPr id="7" name="Espace réservé du numéro de diapositive 6">
+            <a:extLst>
+              <a:ext uri="{FF2B5EF4-FFF2-40B4-BE49-F238E27FC236}">
+                <a16:creationId xmlns:a16="http://schemas.microsoft.com/office/drawing/2014/main" id="{DB282271-26EC-908B-2E9D-6EE95CFBEB1C}"/>
+              </a:ext>
+            </a:extLst>
+          </p:cNvPr>
+          <p:cNvSpPr>
+            <a:spLocks noGrp="1"/>
+          </p:cNvSpPr>
+          <p:nvPr>
+            <p:ph type="sldNum" sz="quarter" idx="13"/>
+          </p:nvPr>
+        </p:nvSpPr>
+        <p:spPr/>
+        <p:txBody>
+          <a:bodyPr/>
+          <a:lstStyle/>
+          <a:p>
+            <a:fld id="{02C092ED-0E97-497E-99D9-BB9DD7276F53}" type="slidenum">
+              <a:rPr lang="fr-BE" smtClean="0"/>
+              <a:t>‹N°›</a:t>
+            </a:fld>
+            <a:endParaRPr lang="fr-BE"/>
+          </a:p>
+        </p:txBody>
+      </p:sp>
     </p:spTree>
     <p:extLst>
       <p:ext uri="{BB962C8B-B14F-4D97-AF65-F5344CB8AC3E}">
-        <p14:creationId xmlns:p14="http://schemas.microsoft.com/office/powerpoint/2010/main" val="4131619576"/>
+        <p14:creationId xmlns:p14="http://schemas.microsoft.com/office/powerpoint/2010/main" val="2560075473"/>
       </p:ext>
     </p:extLst>
   </p:cSld>
@@ -2828,7 +3090,11 @@
           </a:bodyPr>
           <a:lstStyle>
             <a:lvl1pPr>
-              <a:defRPr sz="3600"/>
+              <a:defRPr sz="3600">
+                <a:solidFill>
+                  <a:schemeClr val="accent2"/>
+                </a:solidFill>
+              </a:defRPr>
             </a:lvl1pPr>
           </a:lstStyle>
           <a:p>
@@ -2874,10 +3140,93 @@
           </a:p>
         </p:txBody>
       </p:sp>
+      <p:sp>
+        <p:nvSpPr>
+          <p:cNvPr id="3" name="Espace réservé de la date 2">
+            <a:extLst>
+              <a:ext uri="{FF2B5EF4-FFF2-40B4-BE49-F238E27FC236}">
+                <a16:creationId xmlns:a16="http://schemas.microsoft.com/office/drawing/2014/main" id="{B8BD7575-5E4D-B6F7-D511-002E7EBB1A2F}"/>
+              </a:ext>
+            </a:extLst>
+          </p:cNvPr>
+          <p:cNvSpPr>
+            <a:spLocks noGrp="1"/>
+          </p:cNvSpPr>
+          <p:nvPr>
+            <p:ph type="dt" sz="half" idx="11"/>
+          </p:nvPr>
+        </p:nvSpPr>
+        <p:spPr/>
+        <p:txBody>
+          <a:bodyPr/>
+          <a:lstStyle/>
+          <a:p>
+            <a:fld id="{F3953782-D06E-4853-BE3C-64C197273937}" type="datetimeFigureOut">
+              <a:rPr lang="fr-BE" smtClean="0"/>
+              <a:t>27-01-25</a:t>
+            </a:fld>
+            <a:endParaRPr lang="fr-BE"/>
+          </a:p>
+        </p:txBody>
+      </p:sp>
+      <p:sp>
+        <p:nvSpPr>
+          <p:cNvPr id="4" name="Espace réservé du pied de page 3">
+            <a:extLst>
+              <a:ext uri="{FF2B5EF4-FFF2-40B4-BE49-F238E27FC236}">
+                <a16:creationId xmlns:a16="http://schemas.microsoft.com/office/drawing/2014/main" id="{F57AA542-0BD3-6896-CFBC-925661457ED8}"/>
+              </a:ext>
+            </a:extLst>
+          </p:cNvPr>
+          <p:cNvSpPr>
+            <a:spLocks noGrp="1"/>
+          </p:cNvSpPr>
+          <p:nvPr>
+            <p:ph type="ftr" sz="quarter" idx="12"/>
+          </p:nvPr>
+        </p:nvSpPr>
+        <p:spPr/>
+        <p:txBody>
+          <a:bodyPr/>
+          <a:lstStyle/>
+          <a:p>
+            <a:endParaRPr lang="fr-BE"/>
+          </a:p>
+        </p:txBody>
+      </p:sp>
+      <p:sp>
+        <p:nvSpPr>
+          <p:cNvPr id="6" name="Espace réservé du numéro de diapositive 5">
+            <a:extLst>
+              <a:ext uri="{FF2B5EF4-FFF2-40B4-BE49-F238E27FC236}">
+                <a16:creationId xmlns:a16="http://schemas.microsoft.com/office/drawing/2014/main" id="{FF1D4A95-E4A4-1574-4F11-DE8F1961354B}"/>
+              </a:ext>
+            </a:extLst>
+          </p:cNvPr>
+          <p:cNvSpPr>
+            <a:spLocks noGrp="1"/>
+          </p:cNvSpPr>
+          <p:nvPr>
+            <p:ph type="sldNum" sz="quarter" idx="13"/>
+          </p:nvPr>
+        </p:nvSpPr>
+        <p:spPr/>
+        <p:txBody>
+          <a:bodyPr/>
+          <a:lstStyle/>
+          <a:p>
+            <a:fld id="{02C092ED-0E97-497E-99D9-BB9DD7276F53}" type="slidenum">
+              <a:rPr lang="fr-BE" smtClean="0"/>
+              <a:t>‹N°›</a:t>
+            </a:fld>
+            <a:endParaRPr lang="fr-BE"/>
+          </a:p>
+        </p:txBody>
+      </p:sp>
     </p:spTree>
     <p:extLst>
       <p:ext uri="{BB962C8B-B14F-4D97-AF65-F5344CB8AC3E}">
-        <p14:creationId xmlns:p14="http://schemas.microsoft.com/office/powerpoint/2010/main" val="3465957791"/>
+        <p14:creationId xmlns:p14="http://schemas.microsoft.com/office/powerpoint/2010/main" val="699277610"/>
       </p:ext>
     </p:extLst>
   </p:cSld>
@@ -3053,10 +3402,93 @@
           </a:p>
         </p:txBody>
       </p:sp>
+      <p:sp>
+        <p:nvSpPr>
+          <p:cNvPr id="5" name="Espace réservé de la date 4">
+            <a:extLst>
+              <a:ext uri="{FF2B5EF4-FFF2-40B4-BE49-F238E27FC236}">
+                <a16:creationId xmlns:a16="http://schemas.microsoft.com/office/drawing/2014/main" id="{023EE368-836F-D6B7-3720-94E515B8ED49}"/>
+              </a:ext>
+            </a:extLst>
+          </p:cNvPr>
+          <p:cNvSpPr>
+            <a:spLocks noGrp="1"/>
+          </p:cNvSpPr>
+          <p:nvPr>
+            <p:ph type="dt" sz="half" idx="10"/>
+          </p:nvPr>
+        </p:nvSpPr>
+        <p:spPr/>
+        <p:txBody>
+          <a:bodyPr/>
+          <a:lstStyle/>
+          <a:p>
+            <a:fld id="{F3953782-D06E-4853-BE3C-64C197273937}" type="datetimeFigureOut">
+              <a:rPr lang="fr-BE" smtClean="0"/>
+              <a:t>27-01-25</a:t>
+            </a:fld>
+            <a:endParaRPr lang="fr-BE"/>
+          </a:p>
+        </p:txBody>
+      </p:sp>
+      <p:sp>
+        <p:nvSpPr>
+          <p:cNvPr id="6" name="Espace réservé du pied de page 5">
+            <a:extLst>
+              <a:ext uri="{FF2B5EF4-FFF2-40B4-BE49-F238E27FC236}">
+                <a16:creationId xmlns:a16="http://schemas.microsoft.com/office/drawing/2014/main" id="{940FC0D1-460C-5274-B67A-CADD301151E8}"/>
+              </a:ext>
+            </a:extLst>
+          </p:cNvPr>
+          <p:cNvSpPr>
+            <a:spLocks noGrp="1"/>
+          </p:cNvSpPr>
+          <p:nvPr>
+            <p:ph type="ftr" sz="quarter" idx="11"/>
+          </p:nvPr>
+        </p:nvSpPr>
+        <p:spPr/>
+        <p:txBody>
+          <a:bodyPr/>
+          <a:lstStyle/>
+          <a:p>
+            <a:endParaRPr lang="fr-BE"/>
+          </a:p>
+        </p:txBody>
+      </p:sp>
+      <p:sp>
+        <p:nvSpPr>
+          <p:cNvPr id="7" name="Espace réservé du numéro de diapositive 6">
+            <a:extLst>
+              <a:ext uri="{FF2B5EF4-FFF2-40B4-BE49-F238E27FC236}">
+                <a16:creationId xmlns:a16="http://schemas.microsoft.com/office/drawing/2014/main" id="{7D5E82B2-87DB-8B8E-12FD-843E81352499}"/>
+              </a:ext>
+            </a:extLst>
+          </p:cNvPr>
+          <p:cNvSpPr>
+            <a:spLocks noGrp="1"/>
+          </p:cNvSpPr>
+          <p:nvPr>
+            <p:ph type="sldNum" sz="quarter" idx="12"/>
+          </p:nvPr>
+        </p:nvSpPr>
+        <p:spPr/>
+        <p:txBody>
+          <a:bodyPr/>
+          <a:lstStyle/>
+          <a:p>
+            <a:fld id="{02C092ED-0E97-497E-99D9-BB9DD7276F53}" type="slidenum">
+              <a:rPr lang="fr-BE" smtClean="0"/>
+              <a:t>‹N°›</a:t>
+            </a:fld>
+            <a:endParaRPr lang="fr-BE"/>
+          </a:p>
+        </p:txBody>
+      </p:sp>
     </p:spTree>
     <p:extLst>
       <p:ext uri="{BB962C8B-B14F-4D97-AF65-F5344CB8AC3E}">
-        <p14:creationId xmlns:p14="http://schemas.microsoft.com/office/powerpoint/2010/main" val="1056302091"/>
+        <p14:creationId xmlns:p14="http://schemas.microsoft.com/office/powerpoint/2010/main" val="3065277580"/>
       </p:ext>
     </p:extLst>
   </p:cSld>
@@ -3367,10 +3799,93 @@
           </a:p>
         </p:txBody>
       </p:sp>
+      <p:sp>
+        <p:nvSpPr>
+          <p:cNvPr id="7" name="Espace réservé de la date 6">
+            <a:extLst>
+              <a:ext uri="{FF2B5EF4-FFF2-40B4-BE49-F238E27FC236}">
+                <a16:creationId xmlns:a16="http://schemas.microsoft.com/office/drawing/2014/main" id="{D605DBAD-E815-DA9F-C843-1DE122AA5FFF}"/>
+              </a:ext>
+            </a:extLst>
+          </p:cNvPr>
+          <p:cNvSpPr>
+            <a:spLocks noGrp="1"/>
+          </p:cNvSpPr>
+          <p:nvPr>
+            <p:ph type="dt" sz="half" idx="10"/>
+          </p:nvPr>
+        </p:nvSpPr>
+        <p:spPr/>
+        <p:txBody>
+          <a:bodyPr/>
+          <a:lstStyle/>
+          <a:p>
+            <a:fld id="{F3953782-D06E-4853-BE3C-64C197273937}" type="datetimeFigureOut">
+              <a:rPr lang="fr-BE" smtClean="0"/>
+              <a:t>27-01-25</a:t>
+            </a:fld>
+            <a:endParaRPr lang="fr-BE"/>
+          </a:p>
+        </p:txBody>
+      </p:sp>
+      <p:sp>
+        <p:nvSpPr>
+          <p:cNvPr id="8" name="Espace réservé du pied de page 7">
+            <a:extLst>
+              <a:ext uri="{FF2B5EF4-FFF2-40B4-BE49-F238E27FC236}">
+                <a16:creationId xmlns:a16="http://schemas.microsoft.com/office/drawing/2014/main" id="{F344211E-58E3-3B61-D18C-DCC7772A096B}"/>
+              </a:ext>
+            </a:extLst>
+          </p:cNvPr>
+          <p:cNvSpPr>
+            <a:spLocks noGrp="1"/>
+          </p:cNvSpPr>
+          <p:nvPr>
+            <p:ph type="ftr" sz="quarter" idx="11"/>
+          </p:nvPr>
+        </p:nvSpPr>
+        <p:spPr/>
+        <p:txBody>
+          <a:bodyPr/>
+          <a:lstStyle/>
+          <a:p>
+            <a:endParaRPr lang="fr-BE"/>
+          </a:p>
+        </p:txBody>
+      </p:sp>
+      <p:sp>
+        <p:nvSpPr>
+          <p:cNvPr id="9" name="Espace réservé du numéro de diapositive 8">
+            <a:extLst>
+              <a:ext uri="{FF2B5EF4-FFF2-40B4-BE49-F238E27FC236}">
+                <a16:creationId xmlns:a16="http://schemas.microsoft.com/office/drawing/2014/main" id="{85F2F6A2-3605-D138-CBD4-299C105E107C}"/>
+              </a:ext>
+            </a:extLst>
+          </p:cNvPr>
+          <p:cNvSpPr>
+            <a:spLocks noGrp="1"/>
+          </p:cNvSpPr>
+          <p:nvPr>
+            <p:ph type="sldNum" sz="quarter" idx="12"/>
+          </p:nvPr>
+        </p:nvSpPr>
+        <p:spPr/>
+        <p:txBody>
+          <a:bodyPr/>
+          <a:lstStyle/>
+          <a:p>
+            <a:fld id="{02C092ED-0E97-497E-99D9-BB9DD7276F53}" type="slidenum">
+              <a:rPr lang="fr-BE" smtClean="0"/>
+              <a:t>‹N°›</a:t>
+            </a:fld>
+            <a:endParaRPr lang="fr-BE"/>
+          </a:p>
+        </p:txBody>
+      </p:sp>
     </p:spTree>
     <p:extLst>
       <p:ext uri="{BB962C8B-B14F-4D97-AF65-F5344CB8AC3E}">
-        <p14:creationId xmlns:p14="http://schemas.microsoft.com/office/powerpoint/2010/main" val="700967221"/>
+        <p14:creationId xmlns:p14="http://schemas.microsoft.com/office/powerpoint/2010/main" val="3156917460"/>
       </p:ext>
     </p:extLst>
   </p:cSld>
@@ -3432,10 +3947,93 @@
           </a:p>
         </p:txBody>
       </p:sp>
+      <p:sp>
+        <p:nvSpPr>
+          <p:cNvPr id="3" name="Espace réservé de la date 2">
+            <a:extLst>
+              <a:ext uri="{FF2B5EF4-FFF2-40B4-BE49-F238E27FC236}">
+                <a16:creationId xmlns:a16="http://schemas.microsoft.com/office/drawing/2014/main" id="{BB23E5C8-1D92-E25A-D482-9866759B5BD2}"/>
+              </a:ext>
+            </a:extLst>
+          </p:cNvPr>
+          <p:cNvSpPr>
+            <a:spLocks noGrp="1"/>
+          </p:cNvSpPr>
+          <p:nvPr>
+            <p:ph type="dt" sz="half" idx="10"/>
+          </p:nvPr>
+        </p:nvSpPr>
+        <p:spPr/>
+        <p:txBody>
+          <a:bodyPr/>
+          <a:lstStyle/>
+          <a:p>
+            <a:fld id="{F3953782-D06E-4853-BE3C-64C197273937}" type="datetimeFigureOut">
+              <a:rPr lang="fr-BE" smtClean="0"/>
+              <a:t>27-01-25</a:t>
+            </a:fld>
+            <a:endParaRPr lang="fr-BE"/>
+          </a:p>
+        </p:txBody>
+      </p:sp>
+      <p:sp>
+        <p:nvSpPr>
+          <p:cNvPr id="4" name="Espace réservé du pied de page 3">
+            <a:extLst>
+              <a:ext uri="{FF2B5EF4-FFF2-40B4-BE49-F238E27FC236}">
+                <a16:creationId xmlns:a16="http://schemas.microsoft.com/office/drawing/2014/main" id="{55ACAADE-10AC-A5C6-B021-C668BC2068AC}"/>
+              </a:ext>
+            </a:extLst>
+          </p:cNvPr>
+          <p:cNvSpPr>
+            <a:spLocks noGrp="1"/>
+          </p:cNvSpPr>
+          <p:nvPr>
+            <p:ph type="ftr" sz="quarter" idx="11"/>
+          </p:nvPr>
+        </p:nvSpPr>
+        <p:spPr/>
+        <p:txBody>
+          <a:bodyPr/>
+          <a:lstStyle/>
+          <a:p>
+            <a:endParaRPr lang="fr-BE"/>
+          </a:p>
+        </p:txBody>
+      </p:sp>
+      <p:sp>
+        <p:nvSpPr>
+          <p:cNvPr id="5" name="Espace réservé du numéro de diapositive 4">
+            <a:extLst>
+              <a:ext uri="{FF2B5EF4-FFF2-40B4-BE49-F238E27FC236}">
+                <a16:creationId xmlns:a16="http://schemas.microsoft.com/office/drawing/2014/main" id="{64BD460E-C94D-0F17-7C77-D32F9CC12D7A}"/>
+              </a:ext>
+            </a:extLst>
+          </p:cNvPr>
+          <p:cNvSpPr>
+            <a:spLocks noGrp="1"/>
+          </p:cNvSpPr>
+          <p:nvPr>
+            <p:ph type="sldNum" sz="quarter" idx="12"/>
+          </p:nvPr>
+        </p:nvSpPr>
+        <p:spPr/>
+        <p:txBody>
+          <a:bodyPr/>
+          <a:lstStyle/>
+          <a:p>
+            <a:fld id="{02C092ED-0E97-497E-99D9-BB9DD7276F53}" type="slidenum">
+              <a:rPr lang="fr-BE" smtClean="0"/>
+              <a:t>‹N°›</a:t>
+            </a:fld>
+            <a:endParaRPr lang="fr-BE"/>
+          </a:p>
+        </p:txBody>
+      </p:sp>
     </p:spTree>
     <p:extLst>
       <p:ext uri="{BB962C8B-B14F-4D97-AF65-F5344CB8AC3E}">
-        <p14:creationId xmlns:p14="http://schemas.microsoft.com/office/powerpoint/2010/main" val="549319665"/>
+        <p14:creationId xmlns:p14="http://schemas.microsoft.com/office/powerpoint/2010/main" val="2689404754"/>
       </p:ext>
     </p:extLst>
   </p:cSld>
@@ -3477,7 +4075,7 @@
     </p:spTree>
     <p:extLst>
       <p:ext uri="{BB962C8B-B14F-4D97-AF65-F5344CB8AC3E}">
-        <p14:creationId xmlns:p14="http://schemas.microsoft.com/office/powerpoint/2010/main" val="140310862"/>
+        <p14:creationId xmlns:p14="http://schemas.microsoft.com/office/powerpoint/2010/main" val="3456148315"/>
       </p:ext>
     </p:extLst>
   </p:cSld>
@@ -3698,10 +4296,93 @@
           </a:p>
         </p:txBody>
       </p:sp>
+      <p:sp>
+        <p:nvSpPr>
+          <p:cNvPr id="5" name="Espace réservé de la date 4">
+            <a:extLst>
+              <a:ext uri="{FF2B5EF4-FFF2-40B4-BE49-F238E27FC236}">
+                <a16:creationId xmlns:a16="http://schemas.microsoft.com/office/drawing/2014/main" id="{433BACDB-1022-3581-CB46-1F85D70253ED}"/>
+              </a:ext>
+            </a:extLst>
+          </p:cNvPr>
+          <p:cNvSpPr>
+            <a:spLocks noGrp="1"/>
+          </p:cNvSpPr>
+          <p:nvPr>
+            <p:ph type="dt" sz="half" idx="10"/>
+          </p:nvPr>
+        </p:nvSpPr>
+        <p:spPr/>
+        <p:txBody>
+          <a:bodyPr/>
+          <a:lstStyle/>
+          <a:p>
+            <a:fld id="{F3953782-D06E-4853-BE3C-64C197273937}" type="datetimeFigureOut">
+              <a:rPr lang="fr-BE" smtClean="0"/>
+              <a:t>27-01-25</a:t>
+            </a:fld>
+            <a:endParaRPr lang="fr-BE"/>
+          </a:p>
+        </p:txBody>
+      </p:sp>
+      <p:sp>
+        <p:nvSpPr>
+          <p:cNvPr id="6" name="Espace réservé du pied de page 5">
+            <a:extLst>
+              <a:ext uri="{FF2B5EF4-FFF2-40B4-BE49-F238E27FC236}">
+                <a16:creationId xmlns:a16="http://schemas.microsoft.com/office/drawing/2014/main" id="{9C8F4609-0312-F825-CC91-FAC10F330180}"/>
+              </a:ext>
+            </a:extLst>
+          </p:cNvPr>
+          <p:cNvSpPr>
+            <a:spLocks noGrp="1"/>
+          </p:cNvSpPr>
+          <p:nvPr>
+            <p:ph type="ftr" sz="quarter" idx="11"/>
+          </p:nvPr>
+        </p:nvSpPr>
+        <p:spPr/>
+        <p:txBody>
+          <a:bodyPr/>
+          <a:lstStyle/>
+          <a:p>
+            <a:endParaRPr lang="fr-BE"/>
+          </a:p>
+        </p:txBody>
+      </p:sp>
+      <p:sp>
+        <p:nvSpPr>
+          <p:cNvPr id="7" name="Espace réservé du numéro de diapositive 6">
+            <a:extLst>
+              <a:ext uri="{FF2B5EF4-FFF2-40B4-BE49-F238E27FC236}">
+                <a16:creationId xmlns:a16="http://schemas.microsoft.com/office/drawing/2014/main" id="{91F0E555-3A77-670E-9C69-DE1D8DE232F9}"/>
+              </a:ext>
+            </a:extLst>
+          </p:cNvPr>
+          <p:cNvSpPr>
+            <a:spLocks noGrp="1"/>
+          </p:cNvSpPr>
+          <p:nvPr>
+            <p:ph type="sldNum" sz="quarter" idx="12"/>
+          </p:nvPr>
+        </p:nvSpPr>
+        <p:spPr/>
+        <p:txBody>
+          <a:bodyPr/>
+          <a:lstStyle/>
+          <a:p>
+            <a:fld id="{02C092ED-0E97-497E-99D9-BB9DD7276F53}" type="slidenum">
+              <a:rPr lang="fr-BE" smtClean="0"/>
+              <a:t>‹N°›</a:t>
+            </a:fld>
+            <a:endParaRPr lang="fr-BE"/>
+          </a:p>
+        </p:txBody>
+      </p:sp>
     </p:spTree>
     <p:extLst>
       <p:ext uri="{BB962C8B-B14F-4D97-AF65-F5344CB8AC3E}">
-        <p14:creationId xmlns:p14="http://schemas.microsoft.com/office/powerpoint/2010/main" val="4149374059"/>
+        <p14:creationId xmlns:p14="http://schemas.microsoft.com/office/powerpoint/2010/main" val="1130602915"/>
       </p:ext>
     </p:extLst>
   </p:cSld>
@@ -3729,7 +4410,10 @@
     <p:bg>
       <p:bgPr>
         <a:solidFill>
-          <a:schemeClr val="accent6"/>
+          <a:schemeClr val="accent3">
+            <a:lumMod val="40000"/>
+            <a:lumOff val="60000"/>
+          </a:schemeClr>
         </a:solidFill>
         <a:effectLst/>
       </p:bgPr>
@@ -3891,7 +4575,7 @@
         </p:nvSpPr>
         <p:spPr>
           <a:xfrm>
-            <a:off x="838200" y="6311901"/>
+            <a:off x="8610600" y="6359526"/>
             <a:ext cx="2743200" cy="365125"/>
           </a:xfrm>
           <a:prstGeom prst="rect">
@@ -3920,25 +4604,115 @@
           </a:p>
         </p:txBody>
       </p:sp>
+      <p:sp>
+        <p:nvSpPr>
+          <p:cNvPr id="5" name="Espace réservé de la date 4">
+            <a:extLst>
+              <a:ext uri="{FF2B5EF4-FFF2-40B4-BE49-F238E27FC236}">
+                <a16:creationId xmlns:a16="http://schemas.microsoft.com/office/drawing/2014/main" id="{7E29B381-A1A5-FC30-27CA-947A2690386C}"/>
+              </a:ext>
+            </a:extLst>
+          </p:cNvPr>
+          <p:cNvSpPr>
+            <a:spLocks noGrp="1"/>
+          </p:cNvSpPr>
+          <p:nvPr>
+            <p:ph type="dt" sz="half" idx="2"/>
+          </p:nvPr>
+        </p:nvSpPr>
+        <p:spPr>
+          <a:xfrm>
+            <a:off x="838200" y="6356350"/>
+            <a:ext cx="2743200" cy="365125"/>
+          </a:xfrm>
+          <a:prstGeom prst="rect">
+            <a:avLst/>
+          </a:prstGeom>
+        </p:spPr>
+        <p:txBody>
+          <a:bodyPr vert="horz" lIns="91440" tIns="45720" rIns="91440" bIns="45720" rtlCol="0" anchor="ctr"/>
+          <a:lstStyle>
+            <a:lvl1pPr algn="l">
+              <a:defRPr sz="1200">
+                <a:solidFill>
+                  <a:schemeClr val="tx1">
+                    <a:tint val="75000"/>
+                  </a:schemeClr>
+                </a:solidFill>
+              </a:defRPr>
+            </a:lvl1pPr>
+          </a:lstStyle>
+          <a:p>
+            <a:fld id="{F3953782-D06E-4853-BE3C-64C197273937}" type="datetimeFigureOut">
+              <a:rPr lang="fr-BE" smtClean="0"/>
+              <a:t>27-01-25</a:t>
+            </a:fld>
+            <a:endParaRPr lang="fr-BE"/>
+          </a:p>
+        </p:txBody>
+      </p:sp>
+      <p:sp>
+        <p:nvSpPr>
+          <p:cNvPr id="6" name="Espace réservé du pied de page 5">
+            <a:extLst>
+              <a:ext uri="{FF2B5EF4-FFF2-40B4-BE49-F238E27FC236}">
+                <a16:creationId xmlns:a16="http://schemas.microsoft.com/office/drawing/2014/main" id="{7BFB2116-0A00-B6AB-43FF-F23B8EB09A31}"/>
+              </a:ext>
+            </a:extLst>
+          </p:cNvPr>
+          <p:cNvSpPr>
+            <a:spLocks noGrp="1"/>
+          </p:cNvSpPr>
+          <p:nvPr>
+            <p:ph type="ftr" sz="quarter" idx="3"/>
+          </p:nvPr>
+        </p:nvSpPr>
+        <p:spPr>
+          <a:xfrm>
+            <a:off x="4038600" y="6356350"/>
+            <a:ext cx="4114800" cy="365125"/>
+          </a:xfrm>
+          <a:prstGeom prst="rect">
+            <a:avLst/>
+          </a:prstGeom>
+        </p:spPr>
+        <p:txBody>
+          <a:bodyPr vert="horz" lIns="91440" tIns="45720" rIns="91440" bIns="45720" rtlCol="0" anchor="ctr"/>
+          <a:lstStyle>
+            <a:lvl1pPr algn="ctr">
+              <a:defRPr sz="1200">
+                <a:solidFill>
+                  <a:schemeClr val="tx1">
+                    <a:tint val="75000"/>
+                  </a:schemeClr>
+                </a:solidFill>
+              </a:defRPr>
+            </a:lvl1pPr>
+          </a:lstStyle>
+          <a:p>
+            <a:endParaRPr lang="fr-BE"/>
+          </a:p>
+        </p:txBody>
+      </p:sp>
     </p:spTree>
     <p:extLst>
       <p:ext uri="{BB962C8B-B14F-4D97-AF65-F5344CB8AC3E}">
-        <p14:creationId xmlns:p14="http://schemas.microsoft.com/office/powerpoint/2010/main" val="189575575"/>
+        <p14:creationId xmlns:p14="http://schemas.microsoft.com/office/powerpoint/2010/main" val="1694808380"/>
       </p:ext>
     </p:extLst>
   </p:cSld>
   <p:clrMap bg1="lt1" tx1="dk1" bg2="lt2" tx2="dk2" accent1="accent1" accent2="accent2" accent3="accent3" accent4="accent4" accent5="accent5" accent6="accent6" hlink="hlink" folHlink="folHlink"/>
   <p:sldLayoutIdLst>
-    <p:sldLayoutId id="2147483661" r:id="rId1"/>
-    <p:sldLayoutId id="2147483662" r:id="rId2"/>
-    <p:sldLayoutId id="2147483663" r:id="rId3"/>
-    <p:sldLayoutId id="2147483664" r:id="rId4"/>
-    <p:sldLayoutId id="2147483665" r:id="rId5"/>
-    <p:sldLayoutId id="2147483666" r:id="rId6"/>
-    <p:sldLayoutId id="2147483667" r:id="rId7"/>
-    <p:sldLayoutId id="2147483668" r:id="rId8"/>
-    <p:sldLayoutId id="2147483669" r:id="rId9"/>
-    <p:sldLayoutId id="2147483671" r:id="rId10"/>
+    <p:sldLayoutId id="2147483673" r:id="rId1"/>
+    <p:sldLayoutId id="2147483674" r:id="rId2"/>
+    <p:sldLayoutId id="2147483675" r:id="rId3"/>
+    <p:sldLayoutId id="2147483676" r:id="rId4"/>
+    <p:sldLayoutId id="2147483677" r:id="rId5"/>
+    <p:sldLayoutId id="2147483678" r:id="rId6"/>
+    <p:sldLayoutId id="2147483679" r:id="rId7"/>
+    <p:sldLayoutId id="2147483680" r:id="rId8"/>
+    <p:sldLayoutId id="2147483681" r:id="rId9"/>
+    <p:sldLayoutId id="2147483682" r:id="rId10"/>
   </p:sldLayoutIdLst>
   <mc:AlternateContent xmlns:mc="http://schemas.openxmlformats.org/markup-compatibility/2006" xmlns:p14="http://schemas.microsoft.com/office/powerpoint/2010/main">
     <mc:Choice Requires="p14">
@@ -4408,10 +5182,6 @@
           </p:nvPr>
         </p:nvSpPr>
         <p:spPr>
-          <a:xfrm>
-            <a:off x="1524000" y="3602037"/>
-            <a:ext cx="9144000" cy="1655763"/>
-          </a:xfrm>
           <a:prstGeom prst="rect">
             <a:avLst/>
           </a:prstGeom>
@@ -4561,7 +5331,7 @@
         <p14:reveal/>
       </p:transition>
     </mc:Choice>
-    <mc:Fallback xmlns="" xmlns:mv="urn:schemas-microsoft-com:mac:vml" xmlns:c="http://schemas.openxmlformats.org/drawingml/2006/chart" xmlns:dgm="http://schemas.openxmlformats.org/drawingml/2006/diagram" xmlns:o="urn:schemas-microsoft-com:office:office" xmlns:v="urn:schemas-microsoft-com:vml" xmlns:pvml="urn:schemas-microsoft-com:office:powerpoint" xmlns:com="http://schemas.openxmlformats.org/drawingml/2006/compatibility" xmlns:p15="http://schemas.microsoft.com/office/powerpoint/2012/main" xmlns:ahyp="http://schemas.microsoft.com/office/drawing/2018/hyperlinkcolor">
+    <mc:Fallback xmlns:ahyp="http://schemas.microsoft.com/office/drawing/2018/hyperlinkcolor" xmlns:p15="http://schemas.microsoft.com/office/powerpoint/2012/main" xmlns:com="http://schemas.openxmlformats.org/drawingml/2006/compatibility" xmlns:pvml="urn:schemas-microsoft-com:office:powerpoint" xmlns:v="urn:schemas-microsoft-com:vml" xmlns:o="urn:schemas-microsoft-com:office:office" xmlns:dgm="http://schemas.openxmlformats.org/drawingml/2006/diagram" xmlns:c="http://schemas.openxmlformats.org/drawingml/2006/chart" xmlns:mv="urn:schemas-microsoft-com:mac:vml" xmlns="">
       <p:transition spd="med">
         <p:fade/>
       </p:transition>
@@ -6726,23 +7496,27 @@
           <a:blip r:embed="rId2">
             <a:clrChange>
               <a:clrFrom>
-                <a:srgbClr val="FDFDFD"/>
+                <a:srgbClr val="FFFFFF"/>
               </a:clrFrom>
               <a:clrTo>
-                <a:srgbClr val="FDFDFD">
+                <a:srgbClr val="FFFFFF">
                   <a:alpha val="0"/>
                 </a:srgbClr>
               </a:clrTo>
             </a:clrChange>
+            <a:extLst>
+              <a:ext uri="{28A0092B-C50C-407E-A947-70E740481C1C}">
+                <a14:useLocalDpi xmlns:a14="http://schemas.microsoft.com/office/drawing/2010/main" val="0"/>
+              </a:ext>
+            </a:extLst>
           </a:blip>
-          <a:stretch>
-            <a:fillRect/>
-          </a:stretch>
+          <a:srcRect/>
+          <a:stretch/>
         </p:blipFill>
         <p:spPr>
           <a:xfrm>
             <a:off x="838200" y="1752600"/>
-            <a:ext cx="10515600" cy="3352800"/>
+            <a:ext cx="10515600" cy="3352799"/>
           </a:xfrm>
           <a:prstGeom prst="rect">
             <a:avLst/>
@@ -7633,10 +8407,6 @@
           </p:nvPr>
         </p:nvSpPr>
         <p:spPr>
-          <a:xfrm>
-            <a:off x="839788" y="365125"/>
-            <a:ext cx="10515600" cy="1325563"/>
-          </a:xfrm>
           <a:noFill/>
           <a:ln>
             <a:noFill/>
@@ -7667,10 +8437,6 @@
           </p:nvPr>
         </p:nvSpPr>
         <p:spPr>
-          <a:xfrm>
-            <a:off x="839788" y="1681163"/>
-            <a:ext cx="3420000" cy="823912"/>
-          </a:xfrm>
           <a:noFill/>
           <a:ln>
             <a:noFill/>
@@ -7706,12 +8472,7 @@
             <p:ph type="body" idx="2"/>
           </p:nvPr>
         </p:nvSpPr>
-        <p:spPr>
-          <a:xfrm>
-            <a:off x="839788" y="2505075"/>
-            <a:ext cx="3419999" cy="3684588"/>
-          </a:xfrm>
-        </p:spPr>
+        <p:spPr/>
         <p:txBody>
           <a:bodyPr>
             <a:normAutofit/>
@@ -7768,12 +8529,7 @@
             <p:ph type="body" idx="3"/>
           </p:nvPr>
         </p:nvSpPr>
-        <p:spPr>
-          <a:xfrm>
-            <a:off x="4394864" y="1677195"/>
-            <a:ext cx="3420000" cy="823912"/>
-          </a:xfrm>
-        </p:spPr>
+        <p:spPr/>
         <p:txBody>
           <a:bodyPr anchor="t"/>
           <a:lstStyle/>
@@ -7802,12 +8558,7 @@
             <p:ph type="body" idx="4"/>
           </p:nvPr>
         </p:nvSpPr>
-        <p:spPr>
-          <a:xfrm>
-            <a:off x="4394863" y="2501107"/>
-            <a:ext cx="3419999" cy="3684588"/>
-          </a:xfrm>
-        </p:spPr>
+        <p:spPr/>
         <p:txBody>
           <a:bodyPr>
             <a:normAutofit/>
@@ -7845,7 +8596,11 @@
               <a:buNone/>
             </a:pPr>
             <a:r>
-              <a:rPr lang="fr-BE" sz="2400"/>
+              <a:rPr lang="fr-BE" sz="2400">
+                <a:solidFill>
+                  <a:schemeClr val="accent2"/>
+                </a:solidFill>
+              </a:rPr>
               <a:t>15. Adaptabilité</a:t>
             </a:r>
           </a:p>
@@ -7894,12 +8649,7 @@
             <p:ph type="body" idx="10"/>
           </p:nvPr>
         </p:nvSpPr>
-        <p:spPr>
-          <a:xfrm>
-            <a:off x="7949940" y="1690688"/>
-            <a:ext cx="3420000" cy="823912"/>
-          </a:xfrm>
-        </p:spPr>
+        <p:spPr/>
         <p:txBody>
           <a:bodyPr anchor="t"/>
           <a:lstStyle/>
@@ -7927,12 +8677,7 @@
             <p:ph type="body" idx="11"/>
           </p:nvPr>
         </p:nvSpPr>
-        <p:spPr>
-          <a:xfrm>
-            <a:off x="7949937" y="2529543"/>
-            <a:ext cx="3433923" cy="3684588"/>
-          </a:xfrm>
-        </p:spPr>
+        <p:spPr/>
         <p:txBody>
           <a:bodyPr>
             <a:normAutofit/>
@@ -8011,7 +8756,7 @@
         <p14:reveal/>
       </p:transition>
     </mc:Choice>
-    <mc:Fallback xmlns:ahyp="http://schemas.microsoft.com/office/drawing/2018/hyperlinkcolor" xmlns:p15="http://schemas.microsoft.com/office/powerpoint/2012/main" xmlns:com="http://schemas.openxmlformats.org/drawingml/2006/compatibility" xmlns:pvml="urn:schemas-microsoft-com:office:powerpoint" xmlns:v="urn:schemas-microsoft-com:vml" xmlns:o="urn:schemas-microsoft-com:office:office" xmlns:dgm="http://schemas.openxmlformats.org/drawingml/2006/diagram" xmlns:c="http://schemas.openxmlformats.org/drawingml/2006/chart" xmlns:mv="urn:schemas-microsoft-com:mac:vml" xmlns="">
+    <mc:Fallback xmlns="" xmlns:mv="urn:schemas-microsoft-com:mac:vml" xmlns:c="http://schemas.openxmlformats.org/drawingml/2006/chart" xmlns:dgm="http://schemas.openxmlformats.org/drawingml/2006/diagram" xmlns:o="urn:schemas-microsoft-com:office:office" xmlns:v="urn:schemas-microsoft-com:vml" xmlns:pvml="urn:schemas-microsoft-com:office:powerpoint" xmlns:com="http://schemas.openxmlformats.org/drawingml/2006/compatibility" xmlns:p15="http://schemas.microsoft.com/office/powerpoint/2012/main" xmlns:ahyp="http://schemas.microsoft.com/office/drawing/2018/hyperlinkcolor">
       <p:transition spd="med">
         <p:fade/>
       </p:transition>
@@ -11392,6 +12137,10 @@
           </p:nvPr>
         </p:nvSpPr>
         <p:spPr>
+          <a:xfrm>
+            <a:off x="1524000" y="1122363"/>
+            <a:ext cx="9144000" cy="2387600"/>
+          </a:xfrm>
           <a:noFill/>
           <a:ln>
             <a:noFill/>
@@ -11427,7 +12176,12 @@
             <p:ph type="subTitle" idx="1"/>
           </p:nvPr>
         </p:nvSpPr>
-        <p:spPr/>
+        <p:spPr>
+          <a:xfrm>
+            <a:off x="1524000" y="3602037"/>
+            <a:ext cx="9144000" cy="1655763"/>
+          </a:xfrm>
+        </p:spPr>
         <p:txBody>
           <a:bodyPr/>
           <a:lstStyle/>
@@ -11497,7 +12251,7 @@
         <p14:reveal/>
       </p:transition>
     </mc:Choice>
-    <mc:Fallback xmlns:ahyp="http://schemas.microsoft.com/office/drawing/2018/hyperlinkcolor" xmlns:p15="http://schemas.microsoft.com/office/powerpoint/2012/main" xmlns:com="http://schemas.openxmlformats.org/drawingml/2006/compatibility" xmlns:pvml="urn:schemas-microsoft-com:office:powerpoint" xmlns:v="urn:schemas-microsoft-com:vml" xmlns:o="urn:schemas-microsoft-com:office:office" xmlns:dgm="http://schemas.openxmlformats.org/drawingml/2006/diagram" xmlns:c="http://schemas.openxmlformats.org/drawingml/2006/chart" xmlns:mv="urn:schemas-microsoft-com:mac:vml" xmlns="">
+    <mc:Fallback xmlns="" xmlns:mv="urn:schemas-microsoft-com:mac:vml" xmlns:c="http://schemas.openxmlformats.org/drawingml/2006/chart" xmlns:dgm="http://schemas.openxmlformats.org/drawingml/2006/diagram" xmlns:o="urn:schemas-microsoft-com:office:office" xmlns:v="urn:schemas-microsoft-com:vml" xmlns:pvml="urn:schemas-microsoft-com:office:powerpoint" xmlns:com="http://schemas.openxmlformats.org/drawingml/2006/compatibility" xmlns:p15="http://schemas.microsoft.com/office/powerpoint/2012/main" xmlns:ahyp="http://schemas.microsoft.com/office/drawing/2018/hyperlinkcolor">
       <p:transition spd="med">
         <p:fade/>
       </p:transition>
@@ -11564,10 +12318,15 @@
             <a:spLocks noGrp="1"/>
           </p:cNvSpPr>
           <p:nvPr>
-            <p:ph idx="1"/>
+            <p:ph sz="half" idx="1"/>
           </p:nvPr>
         </p:nvSpPr>
-        <p:spPr/>
+        <p:spPr>
+          <a:xfrm>
+            <a:off x="371474" y="1572518"/>
+            <a:ext cx="5876925" cy="4920357"/>
+          </a:xfrm>
+        </p:spPr>
         <p:txBody>
           <a:bodyPr>
             <a:normAutofit/>
@@ -11587,7 +12346,120 @@
                 <a:latin typeface="Courier New" panose="02070309020205020404" pitchFamily="49" charset="0"/>
                 <a:cs typeface="Courier New" panose="02070309020205020404" pitchFamily="49" charset="0"/>
               </a:rPr>
-              <a:t>&lt;button class="btn btn-success"&gt; success &lt;/button&gt;</a:t>
+              <a:t>&lt;button </a:t>
+            </a:r>
+            <a:br>
+              <a:rPr lang="en-US" sz="2400" b="1">
+                <a:solidFill>
+                  <a:schemeClr val="accent6">
+                    <a:lumMod val="50000"/>
+                  </a:schemeClr>
+                </a:solidFill>
+                <a:latin typeface="Courier New" panose="02070309020205020404" pitchFamily="49" charset="0"/>
+                <a:cs typeface="Courier New" panose="02070309020205020404" pitchFamily="49" charset="0"/>
+              </a:rPr>
+            </a:br>
+            <a:r>
+              <a:rPr lang="en-US" sz="2400" b="1">
+                <a:solidFill>
+                  <a:schemeClr val="accent6">
+                    <a:lumMod val="50000"/>
+                  </a:schemeClr>
+                </a:solidFill>
+                <a:latin typeface="Courier New" panose="02070309020205020404" pitchFamily="49" charset="0"/>
+                <a:cs typeface="Courier New" panose="02070309020205020404" pitchFamily="49" charset="0"/>
+              </a:rPr>
+              <a:t>  class="</a:t>
+            </a:r>
+            <a:r>
+              <a:rPr lang="en-US" sz="2400" b="1">
+                <a:solidFill>
+                  <a:schemeClr val="accent2"/>
+                </a:solidFill>
+                <a:latin typeface="Courier New" panose="02070309020205020404" pitchFamily="49" charset="0"/>
+                <a:cs typeface="Courier New" panose="02070309020205020404" pitchFamily="49" charset="0"/>
+              </a:rPr>
+              <a:t>btn</a:t>
+            </a:r>
+            <a:r>
+              <a:rPr lang="en-US" sz="2400" b="1">
+                <a:solidFill>
+                  <a:schemeClr val="accent6">
+                    <a:lumMod val="50000"/>
+                  </a:schemeClr>
+                </a:solidFill>
+                <a:latin typeface="Courier New" panose="02070309020205020404" pitchFamily="49" charset="0"/>
+                <a:cs typeface="Courier New" panose="02070309020205020404" pitchFamily="49" charset="0"/>
+              </a:rPr>
+              <a:t> </a:t>
+            </a:r>
+            <a:r>
+              <a:rPr lang="en-US" sz="2400" b="1">
+                <a:solidFill>
+                  <a:schemeClr val="accent5"/>
+                </a:solidFill>
+                <a:latin typeface="Courier New" panose="02070309020205020404" pitchFamily="49" charset="0"/>
+                <a:cs typeface="Courier New" panose="02070309020205020404" pitchFamily="49" charset="0"/>
+              </a:rPr>
+              <a:t>btn-success</a:t>
+            </a:r>
+            <a:r>
+              <a:rPr lang="en-US" sz="2400" b="1">
+                <a:solidFill>
+                  <a:schemeClr val="accent6">
+                    <a:lumMod val="50000"/>
+                  </a:schemeClr>
+                </a:solidFill>
+                <a:latin typeface="Courier New" panose="02070309020205020404" pitchFamily="49" charset="0"/>
+                <a:cs typeface="Courier New" panose="02070309020205020404" pitchFamily="49" charset="0"/>
+              </a:rPr>
+              <a:t>"&gt;</a:t>
+            </a:r>
+            <a:br>
+              <a:rPr lang="en-US" sz="2400" b="1">
+                <a:solidFill>
+                  <a:schemeClr val="accent6">
+                    <a:lumMod val="50000"/>
+                  </a:schemeClr>
+                </a:solidFill>
+                <a:latin typeface="Courier New" panose="02070309020205020404" pitchFamily="49" charset="0"/>
+                <a:cs typeface="Courier New" panose="02070309020205020404" pitchFamily="49" charset="0"/>
+              </a:rPr>
+            </a:br>
+            <a:r>
+              <a:rPr lang="en-US" sz="2400" b="1">
+                <a:solidFill>
+                  <a:schemeClr val="accent6">
+                    <a:lumMod val="50000"/>
+                  </a:schemeClr>
+                </a:solidFill>
+                <a:latin typeface="Courier New" panose="02070309020205020404" pitchFamily="49" charset="0"/>
+                <a:cs typeface="Courier New" panose="02070309020205020404" pitchFamily="49" charset="0"/>
+              </a:rPr>
+              <a:t>    success </a:t>
+            </a:r>
+            <a:br>
+              <a:rPr lang="en-US" sz="2400" b="1">
+                <a:solidFill>
+                  <a:schemeClr val="accent6">
+                    <a:lumMod val="50000"/>
+                  </a:schemeClr>
+                </a:solidFill>
+                <a:latin typeface="Courier New" panose="02070309020205020404" pitchFamily="49" charset="0"/>
+                <a:cs typeface="Courier New" panose="02070309020205020404" pitchFamily="49" charset="0"/>
+              </a:rPr>
+            </a:br>
+            <a:r>
+              <a:rPr lang="en-US" sz="2400" b="1">
+                <a:solidFill>
+                  <a:schemeClr val="accent6">
+                    <a:lumMod val="50000"/>
+                  </a:schemeClr>
+                </a:solidFill>
+                <a:latin typeface="Courier New" panose="02070309020205020404" pitchFamily="49" charset="0"/>
+                <a:cs typeface="Courier New" panose="02070309020205020404" pitchFamily="49" charset="0"/>
+              </a:rPr>
+              <a:t>&lt;/button&gt;</a:t>
             </a:r>
           </a:p>
           <a:p>
@@ -11601,6 +12473,52 @@
             <a:r>
               <a:rPr lang="en-US" b="1">
                 <a:solidFill>
+                  <a:schemeClr val="accent2"/>
+                </a:solidFill>
+                <a:latin typeface="Courier New" panose="02070309020205020404" pitchFamily="49" charset="0"/>
+                <a:cs typeface="Courier New" panose="02070309020205020404" pitchFamily="49" charset="0"/>
+              </a:rPr>
+              <a:t>.btn</a:t>
+            </a:r>
+            <a:r>
+              <a:rPr lang="en-US">
+                <a:solidFill>
+                  <a:schemeClr val="accent2"/>
+                </a:solidFill>
+              </a:rPr>
+              <a:t> </a:t>
+            </a:r>
+            <a:r>
+              <a:rPr lang="en-US"/>
+              <a:t>: tous les boutons</a:t>
+            </a:r>
+            <a:endParaRPr lang="fr-BE"/>
+          </a:p>
+          <a:p>
+            <a:pPr lvl="1"/>
+            <a:r>
+              <a:rPr lang="fr-BE" b="1">
+                <a:solidFill>
+                  <a:schemeClr val="accent5"/>
+                </a:solidFill>
+                <a:latin typeface="Courier New" panose="02070309020205020404" pitchFamily="49" charset="0"/>
+                <a:cs typeface="Courier New" panose="02070309020205020404" pitchFamily="49" charset="0"/>
+              </a:rPr>
+              <a:t>.</a:t>
+            </a:r>
+            <a:r>
+              <a:rPr lang="en-US" b="1">
+                <a:solidFill>
+                  <a:schemeClr val="accent5"/>
+                </a:solidFill>
+                <a:latin typeface="Courier New" panose="02070309020205020404" pitchFamily="49" charset="0"/>
+                <a:cs typeface="Courier New" panose="02070309020205020404" pitchFamily="49" charset="0"/>
+              </a:rPr>
+              <a:t>btn-success</a:t>
+            </a:r>
+            <a:r>
+              <a:rPr lang="en-US" b="1">
+                <a:solidFill>
                   <a:schemeClr val="accent6">
                     <a:lumMod val="50000"/>
                   </a:schemeClr>
@@ -11608,28 +12526,10 @@
                 <a:latin typeface="Courier New" panose="02070309020205020404" pitchFamily="49" charset="0"/>
                 <a:cs typeface="Courier New" panose="02070309020205020404" pitchFamily="49" charset="0"/>
               </a:rPr>
-              <a:t>.btn</a:t>
-            </a:r>
-            <a:r>
-              <a:rPr lang="en-US"/>
-              <a:t> : </a:t>
-            </a:r>
-            <a:r>
-              <a:rPr lang="fr-BE"/>
-              <a:t> base pour tous les boutons</a:t>
-            </a:r>
-          </a:p>
-          <a:p>
-            <a:pPr lvl="2"/>
-            <a:r>
-              <a:rPr lang="fr-BE"/>
-              <a:t>couleur de fond, couleur de texte, bordure, …</a:t>
-            </a:r>
-          </a:p>
-          <a:p>
-            <a:pPr lvl="1"/>
-            <a:r>
-              <a:rPr lang="fr-BE" b="1">
+              <a:t>, </a:t>
+            </a:r>
+            <a:br>
+              <a:rPr lang="en-US" b="1">
                 <a:solidFill>
                   <a:schemeClr val="accent6">
                     <a:lumMod val="50000"/>
@@ -11638,10 +12538,9 @@
                 <a:latin typeface="Courier New" panose="02070309020205020404" pitchFamily="49" charset="0"/>
                 <a:cs typeface="Courier New" panose="02070309020205020404" pitchFamily="49" charset="0"/>
               </a:rPr>
-              <a:t>.</a:t>
-            </a:r>
-            <a:r>
-              <a:rPr lang="en-US" b="1">
+            </a:br>
+            <a:r>
+              <a:rPr lang="fr-BE" b="1">
                 <a:solidFill>
                   <a:schemeClr val="accent6">
                     <a:lumMod val="50000"/>
@@ -11650,297 +12549,933 @@
                 <a:latin typeface="Courier New" panose="02070309020205020404" pitchFamily="49" charset="0"/>
                 <a:cs typeface="Courier New" panose="02070309020205020404" pitchFamily="49" charset="0"/>
               </a:rPr>
-              <a:t>btn-success</a:t>
+              <a:t>.</a:t>
+            </a:r>
+            <a:r>
+              <a:rPr lang="en-US" b="1">
+                <a:solidFill>
+                  <a:schemeClr val="accent6">
+                    <a:lumMod val="50000"/>
+                  </a:schemeClr>
+                </a:solidFill>
+                <a:latin typeface="Courier New" panose="02070309020205020404" pitchFamily="49" charset="0"/>
+                <a:cs typeface="Courier New" panose="02070309020205020404" pitchFamily="49" charset="0"/>
+              </a:rPr>
+              <a:t>btn-danger, …</a:t>
             </a:r>
           </a:p>
           <a:p>
             <a:pPr lvl="2"/>
             <a:r>
               <a:rPr lang="fr-BE"/>
-              <a:t>couleur de fond verte</a:t>
-            </a:r>
-          </a:p>
-          <a:p>
-            <a:pPr lvl="1"/>
-            <a:r>
-              <a:rPr lang="fr-BE"/>
-              <a:t>Chaque sémantique a une classe dédiée :</a:t>
+              <a:t>autre couleur de fond, …</a:t>
+            </a:r>
+          </a:p>
+          <a:p>
+            <a:pPr lvl="2"/>
+            <a:r>
+              <a:rPr lang="fr-BE"/>
+              <a:t>chaque sémantique possède sa classe dédiée</a:t>
             </a:r>
           </a:p>
         </p:txBody>
       </p:sp>
-      <p:graphicFrame>
-        <p:nvGraphicFramePr>
-          <p:cNvPr id="7" name="Tableau 7">
+      <p:pic>
+        <p:nvPicPr>
+          <p:cNvPr id="5" name="Image 4">
             <a:extLst>
               <a:ext uri="{FF2B5EF4-FFF2-40B4-BE49-F238E27FC236}">
-                <a16:creationId xmlns:a16="http://schemas.microsoft.com/office/drawing/2014/main" id="{9EFDB38B-16B1-F404-B831-56F55DAC7E0C}"/>
+                <a16:creationId xmlns:a16="http://schemas.microsoft.com/office/drawing/2014/main" id="{5CCC8358-B572-A4F5-4DDC-4293042595DD}"/>
               </a:ext>
             </a:extLst>
           </p:cNvPr>
-          <p:cNvGraphicFramePr>
-            <a:graphicFrameLocks noGrp="1"/>
-          </p:cNvGraphicFramePr>
+          <p:cNvPicPr>
+            <a:picLocks noChangeAspect="1"/>
+          </p:cNvPicPr>
+          <p:nvPr/>
+        </p:nvPicPr>
+        <p:blipFill>
+          <a:blip r:embed="rId2"/>
+          <a:stretch>
+            <a:fillRect/>
+          </a:stretch>
+        </p:blipFill>
+        <p:spPr>
+          <a:xfrm>
+            <a:off x="5220560" y="22314"/>
+            <a:ext cx="6876190" cy="780952"/>
+          </a:xfrm>
+          <a:prstGeom prst="rect">
+            <a:avLst/>
+          </a:prstGeom>
+        </p:spPr>
+      </p:pic>
+      <p:sp>
+        <p:nvSpPr>
+          <p:cNvPr id="8" name="Rectangle 1">
+            <a:extLst>
+              <a:ext uri="{FF2B5EF4-FFF2-40B4-BE49-F238E27FC236}">
+                <a16:creationId xmlns:a16="http://schemas.microsoft.com/office/drawing/2014/main" id="{DFEC168E-3B6E-BACE-C156-63BEE3F6F29B}"/>
+              </a:ext>
+            </a:extLst>
+          </p:cNvPr>
+          <p:cNvSpPr>
+            <a:spLocks noGrp="1" noChangeArrowheads="1"/>
+          </p:cNvSpPr>
           <p:nvPr>
-            <p:extLst>
-              <p:ext uri="{D42A27DB-BD31-4B8C-83A1-F6EECF244321}">
-                <p14:modId xmlns:p14="http://schemas.microsoft.com/office/powerpoint/2010/main" val="3249789208"/>
-              </p:ext>
-            </p:extLst>
+            <p:ph sz="half" idx="2"/>
           </p:nvPr>
-        </p:nvGraphicFramePr>
-        <p:xfrm>
-          <a:off x="7979792" y="4544407"/>
-          <a:ext cx="3982822" cy="1854200"/>
-        </p:xfrm>
-        <a:graphic>
-          <a:graphicData uri="http://schemas.openxmlformats.org/drawingml/2006/table">
-            <a:tbl>
-              <a:tblPr firstRow="1" bandRow="1">
-                <a:tableStyleId>{7DF18680-E054-41AD-8BC1-D1AEF772440D}</a:tableStyleId>
-              </a:tblPr>
-              <a:tblGrid>
-                <a:gridCol w="1983240">
-                  <a:extLst>
-                    <a:ext uri="{9D8B030D-6E8A-4147-A177-3AD203B41FA5}">
-                      <a16:colId xmlns:a16="http://schemas.microsoft.com/office/drawing/2014/main" val="925441447"/>
-                    </a:ext>
-                  </a:extLst>
-                </a:gridCol>
-                <a:gridCol w="1999582">
-                  <a:extLst>
-                    <a:ext uri="{9D8B030D-6E8A-4147-A177-3AD203B41FA5}">
-                      <a16:colId xmlns:a16="http://schemas.microsoft.com/office/drawing/2014/main" val="2812619225"/>
-                    </a:ext>
-                  </a:extLst>
-                </a:gridCol>
-              </a:tblGrid>
-              <a:tr h="370840">
-                <a:tc>
-                  <a:txBody>
-                    <a:bodyPr/>
-                    <a:lstStyle/>
-                    <a:p>
-                      <a:r>
-                        <a:rPr lang="fr-BE"/>
-                        <a:t>classe</a:t>
-                      </a:r>
-                    </a:p>
-                  </a:txBody>
-                  <a:tcPr/>
-                </a:tc>
-                <a:tc>
-                  <a:txBody>
-                    <a:bodyPr/>
-                    <a:lstStyle/>
-                    <a:p>
-                      <a:r>
-                        <a:rPr lang="fr-BE"/>
-                        <a:t>couleur ou effet</a:t>
-                      </a:r>
-                    </a:p>
-                  </a:txBody>
-                  <a:tcPr/>
-                </a:tc>
-                <a:extLst>
-                  <a:ext uri="{0D108BD9-81ED-4DB2-BD59-A6C34878D82A}">
-                    <a16:rowId xmlns:a16="http://schemas.microsoft.com/office/drawing/2014/main" val="2822407944"/>
-                  </a:ext>
-                </a:extLst>
-              </a:tr>
-              <a:tr h="370840">
-                <a:tc>
-                  <a:txBody>
-                    <a:bodyPr/>
-                    <a:lstStyle/>
-                    <a:p>
-                      <a:pPr marL="0" marR="0" lvl="0" indent="0" algn="l" defTabSz="914400" rtl="0" eaLnBrk="1" fontAlgn="auto" latinLnBrk="0" hangingPunct="1">
-                        <a:lnSpc>
-                          <a:spcPct val="100000"/>
-                        </a:lnSpc>
-                        <a:spcBef>
-                          <a:spcPts val="0"/>
-                        </a:spcBef>
-                        <a:spcAft>
-                          <a:spcPts val="0"/>
-                        </a:spcAft>
-                        <a:buClrTx/>
-                        <a:buSzTx/>
-                        <a:buFontTx/>
-                        <a:buNone/>
-                        <a:tabLst/>
-                        <a:defRPr/>
-                      </a:pPr>
-                      <a:r>
-                        <a:rPr lang="fr-BE" b="1">
-                          <a:solidFill>
-                            <a:schemeClr val="accent6">
-                              <a:lumMod val="50000"/>
-                            </a:schemeClr>
-                          </a:solidFill>
-                          <a:latin typeface="Courier New" panose="02070309020205020404" pitchFamily="49" charset="0"/>
-                          <a:cs typeface="Courier New" panose="02070309020205020404" pitchFamily="49" charset="0"/>
-                        </a:rPr>
-                        <a:t>.btn-success</a:t>
-                      </a:r>
-                    </a:p>
-                  </a:txBody>
-                  <a:tcPr/>
-                </a:tc>
-                <a:tc>
-                  <a:txBody>
-                    <a:bodyPr/>
-                    <a:lstStyle/>
-                    <a:p>
-                      <a:r>
-                        <a:rPr lang="fr-BE"/>
-                        <a:t>vert</a:t>
-                      </a:r>
-                    </a:p>
-                  </a:txBody>
-                  <a:tcPr/>
-                </a:tc>
-                <a:extLst>
-                  <a:ext uri="{0D108BD9-81ED-4DB2-BD59-A6C34878D82A}">
-                    <a16:rowId xmlns:a16="http://schemas.microsoft.com/office/drawing/2014/main" val="1328099160"/>
-                  </a:ext>
-                </a:extLst>
-              </a:tr>
-              <a:tr h="370840">
-                <a:tc>
-                  <a:txBody>
-                    <a:bodyPr/>
-                    <a:lstStyle/>
-                    <a:p>
-                      <a:pPr marL="0" marR="0" lvl="0" indent="0" algn="l" defTabSz="914400" rtl="0" eaLnBrk="1" fontAlgn="auto" latinLnBrk="0" hangingPunct="1">
-                        <a:lnSpc>
-                          <a:spcPct val="100000"/>
-                        </a:lnSpc>
-                        <a:spcBef>
-                          <a:spcPts val="0"/>
-                        </a:spcBef>
-                        <a:spcAft>
-                          <a:spcPts val="0"/>
-                        </a:spcAft>
-                        <a:buClrTx/>
-                        <a:buSzTx/>
-                        <a:buFontTx/>
-                        <a:buNone/>
-                        <a:tabLst/>
-                        <a:defRPr/>
-                      </a:pPr>
-                      <a:r>
-                        <a:rPr lang="fr-BE" sz="1800" b="1" kern="1200">
-                          <a:solidFill>
-                            <a:schemeClr val="accent6">
-                              <a:lumMod val="50000"/>
-                            </a:schemeClr>
-                          </a:solidFill>
-                          <a:latin typeface="Courier New" panose="02070309020205020404" pitchFamily="49" charset="0"/>
-                          <a:ea typeface="+mn-ea"/>
-                          <a:cs typeface="Courier New" panose="02070309020205020404" pitchFamily="49" charset="0"/>
-                        </a:rPr>
-                        <a:t>.btn-primary</a:t>
-                      </a:r>
-                    </a:p>
-                  </a:txBody>
-                  <a:tcPr/>
-                </a:tc>
-                <a:tc>
-                  <a:txBody>
-                    <a:bodyPr/>
-                    <a:lstStyle/>
-                    <a:p>
-                      <a:r>
-                        <a:rPr lang="fr-BE"/>
-                        <a:t>bleu</a:t>
-                      </a:r>
-                    </a:p>
-                  </a:txBody>
-                  <a:tcPr/>
-                </a:tc>
-                <a:extLst>
-                  <a:ext uri="{0D108BD9-81ED-4DB2-BD59-A6C34878D82A}">
-                    <a16:rowId xmlns:a16="http://schemas.microsoft.com/office/drawing/2014/main" val="1194966484"/>
-                  </a:ext>
-                </a:extLst>
-              </a:tr>
-              <a:tr h="370840">
-                <a:tc>
-                  <a:txBody>
-                    <a:bodyPr/>
-                    <a:lstStyle/>
-                    <a:p>
-                      <a:r>
-                        <a:rPr lang="fr-BE" sz="1800" b="1" kern="1200">
-                          <a:solidFill>
-                            <a:schemeClr val="accent6">
-                              <a:lumMod val="50000"/>
-                            </a:schemeClr>
-                          </a:solidFill>
-                          <a:latin typeface="Courier New" panose="02070309020205020404" pitchFamily="49" charset="0"/>
-                          <a:ea typeface="+mn-ea"/>
-                          <a:cs typeface="Courier New" panose="02070309020205020404" pitchFamily="49" charset="0"/>
-                        </a:rPr>
-                        <a:t>.btn-danger</a:t>
-                      </a:r>
-                    </a:p>
-                  </a:txBody>
-                  <a:tcPr/>
-                </a:tc>
-                <a:tc>
-                  <a:txBody>
-                    <a:bodyPr/>
-                    <a:lstStyle/>
-                    <a:p>
-                      <a:r>
-                        <a:rPr lang="fr-BE"/>
-                        <a:t>rouge</a:t>
-                      </a:r>
-                    </a:p>
-                  </a:txBody>
-                  <a:tcPr/>
-                </a:tc>
-                <a:extLst>
-                  <a:ext uri="{0D108BD9-81ED-4DB2-BD59-A6C34878D82A}">
-                    <a16:rowId xmlns:a16="http://schemas.microsoft.com/office/drawing/2014/main" val="2251368633"/>
-                  </a:ext>
-                </a:extLst>
-              </a:tr>
-              <a:tr h="370840">
-                <a:tc>
-                  <a:txBody>
-                    <a:bodyPr/>
-                    <a:lstStyle/>
-                    <a:p>
-                      <a:r>
-                        <a:rPr lang="fr-BE"/>
-                        <a:t>….</a:t>
-                      </a:r>
-                    </a:p>
-                  </a:txBody>
-                  <a:tcPr/>
-                </a:tc>
-                <a:tc>
-                  <a:txBody>
-                    <a:bodyPr/>
-                    <a:lstStyle/>
-                    <a:p>
-                      <a:endParaRPr lang="fr-BE"/>
-                    </a:p>
-                  </a:txBody>
-                  <a:tcPr/>
-                </a:tc>
-                <a:extLst>
-                  <a:ext uri="{0D108BD9-81ED-4DB2-BD59-A6C34878D82A}">
-                    <a16:rowId xmlns:a16="http://schemas.microsoft.com/office/drawing/2014/main" val="1996695796"/>
-                  </a:ext>
-                </a:extLst>
-              </a:tr>
-            </a:tbl>
-          </a:graphicData>
-        </a:graphic>
-      </p:graphicFrame>
+        </p:nvSpPr>
+        <p:spPr bwMode="auto">
+          <a:xfrm>
+            <a:off x="6067854" y="1513046"/>
+            <a:ext cx="6028895" cy="4431983"/>
+          </a:xfrm>
+          <a:prstGeom prst="rect">
+            <a:avLst/>
+          </a:prstGeom>
+          <a:solidFill>
+            <a:schemeClr val="bg1"/>
+          </a:solidFill>
+          <a:ln>
+            <a:noFill/>
+          </a:ln>
+          <a:effectLst/>
+        </p:spPr>
+        <p:txBody>
+          <a:bodyPr vert="horz" wrap="square" lIns="91440" tIns="0" rIns="91440" bIns="0" numCol="1" anchor="ctr" anchorCtr="0" compatLnSpc="1">
+            <a:prstTxWarp prst="textNoShape">
+              <a:avLst/>
+            </a:prstTxWarp>
+            <a:spAutoFit/>
+          </a:bodyPr>
+          <a:lstStyle/>
+          <a:p>
+            <a:pPr marL="0" marR="0" lvl="0" indent="0" algn="l" defTabSz="914400" rtl="0" eaLnBrk="0" fontAlgn="base" latinLnBrk="0" hangingPunct="0">
+              <a:lnSpc>
+                <a:spcPct val="100000"/>
+              </a:lnSpc>
+              <a:spcBef>
+                <a:spcPct val="0"/>
+              </a:spcBef>
+              <a:spcAft>
+                <a:spcPct val="0"/>
+              </a:spcAft>
+              <a:buClrTx/>
+              <a:buSzTx/>
+              <a:buFontTx/>
+              <a:buNone/>
+              <a:tabLst/>
+            </a:pPr>
+            <a:r>
+              <a:rPr lang="fr-FR" altLang="fr-FR" sz="1600">
+                <a:solidFill>
+                  <a:schemeClr val="accent6">
+                    <a:lumMod val="50000"/>
+                  </a:schemeClr>
+                </a:solidFill>
+                <a:latin typeface="Consolas" panose="020B0609020204030204" pitchFamily="49" charset="0"/>
+              </a:rPr>
+              <a:t>&lt;button type="button" </a:t>
+            </a:r>
+            <a:br>
+              <a:rPr lang="fr-FR" altLang="fr-FR" sz="1600">
+                <a:solidFill>
+                  <a:schemeClr val="accent6">
+                    <a:lumMod val="50000"/>
+                  </a:schemeClr>
+                </a:solidFill>
+                <a:latin typeface="Consolas" panose="020B0609020204030204" pitchFamily="49" charset="0"/>
+              </a:rPr>
+            </a:br>
+            <a:r>
+              <a:rPr lang="fr-FR" altLang="fr-FR" sz="1600">
+                <a:solidFill>
+                  <a:schemeClr val="accent6">
+                    <a:lumMod val="50000"/>
+                  </a:schemeClr>
+                </a:solidFill>
+                <a:latin typeface="Consolas" panose="020B0609020204030204" pitchFamily="49" charset="0"/>
+              </a:rPr>
+              <a:t>        class="btn </a:t>
+            </a:r>
+            <a:r>
+              <a:rPr lang="fr-FR" altLang="fr-FR" sz="1600">
+                <a:solidFill>
+                  <a:schemeClr val="accent2"/>
+                </a:solidFill>
+                <a:latin typeface="Consolas" panose="020B0609020204030204" pitchFamily="49" charset="0"/>
+              </a:rPr>
+              <a:t>btn-primary</a:t>
+            </a:r>
+            <a:r>
+              <a:rPr lang="fr-FR" altLang="fr-FR" sz="1600">
+                <a:solidFill>
+                  <a:schemeClr val="accent6">
+                    <a:lumMod val="50000"/>
+                  </a:schemeClr>
+                </a:solidFill>
+                <a:latin typeface="Consolas" panose="020B0609020204030204" pitchFamily="49" charset="0"/>
+              </a:rPr>
+              <a:t>"&gt;</a:t>
+            </a:r>
+            <a:r>
+              <a:rPr lang="fr-FR" altLang="fr-FR" sz="1600">
+                <a:solidFill>
+                  <a:schemeClr val="accent2"/>
+                </a:solidFill>
+                <a:latin typeface="Consolas" panose="020B0609020204030204" pitchFamily="49" charset="0"/>
+              </a:rPr>
+              <a:t>Primary</a:t>
+            </a:r>
+            <a:r>
+              <a:rPr lang="fr-FR" altLang="fr-FR" sz="1600">
+                <a:solidFill>
+                  <a:schemeClr val="accent6">
+                    <a:lumMod val="50000"/>
+                  </a:schemeClr>
+                </a:solidFill>
+                <a:latin typeface="Consolas" panose="020B0609020204030204" pitchFamily="49" charset="0"/>
+              </a:rPr>
+              <a:t>&lt;/button&gt; </a:t>
+            </a:r>
+          </a:p>
+          <a:p>
+            <a:pPr marL="0" marR="0" lvl="0" indent="0" algn="l" defTabSz="914400" rtl="0" eaLnBrk="0" fontAlgn="base" latinLnBrk="0" hangingPunct="0">
+              <a:lnSpc>
+                <a:spcPct val="100000"/>
+              </a:lnSpc>
+              <a:spcBef>
+                <a:spcPct val="0"/>
+              </a:spcBef>
+              <a:spcAft>
+                <a:spcPct val="0"/>
+              </a:spcAft>
+              <a:buClrTx/>
+              <a:buSzTx/>
+              <a:buFontTx/>
+              <a:buNone/>
+              <a:tabLst/>
+            </a:pPr>
+            <a:r>
+              <a:rPr lang="fr-FR" altLang="fr-FR" sz="1600">
+                <a:solidFill>
+                  <a:schemeClr val="accent6">
+                    <a:lumMod val="50000"/>
+                  </a:schemeClr>
+                </a:solidFill>
+                <a:latin typeface="Consolas" panose="020B0609020204030204" pitchFamily="49" charset="0"/>
+              </a:rPr>
+              <a:t>&lt;button type="button" </a:t>
+            </a:r>
+            <a:br>
+              <a:rPr lang="fr-FR" altLang="fr-FR" sz="1600">
+                <a:solidFill>
+                  <a:schemeClr val="accent6">
+                    <a:lumMod val="50000"/>
+                  </a:schemeClr>
+                </a:solidFill>
+                <a:latin typeface="Consolas" panose="020B0609020204030204" pitchFamily="49" charset="0"/>
+              </a:rPr>
+            </a:br>
+            <a:r>
+              <a:rPr lang="fr-FR" altLang="fr-FR" sz="1600">
+                <a:solidFill>
+                  <a:schemeClr val="accent6">
+                    <a:lumMod val="50000"/>
+                  </a:schemeClr>
+                </a:solidFill>
+                <a:latin typeface="Consolas" panose="020B0609020204030204" pitchFamily="49" charset="0"/>
+              </a:rPr>
+              <a:t>        class="btn </a:t>
+            </a:r>
+            <a:r>
+              <a:rPr lang="fr-FR" altLang="fr-FR" sz="1600">
+                <a:solidFill>
+                  <a:schemeClr val="tx1">
+                    <a:lumMod val="65000"/>
+                    <a:lumOff val="35000"/>
+                  </a:schemeClr>
+                </a:solidFill>
+                <a:latin typeface="Consolas" panose="020B0609020204030204" pitchFamily="49" charset="0"/>
+              </a:rPr>
+              <a:t>btn-secondary</a:t>
+            </a:r>
+            <a:r>
+              <a:rPr lang="fr-FR" altLang="fr-FR" sz="1600">
+                <a:solidFill>
+                  <a:schemeClr val="accent6">
+                    <a:lumMod val="50000"/>
+                  </a:schemeClr>
+                </a:solidFill>
+                <a:latin typeface="Consolas" panose="020B0609020204030204" pitchFamily="49" charset="0"/>
+              </a:rPr>
+              <a:t>"&gt;</a:t>
+            </a:r>
+            <a:r>
+              <a:rPr lang="fr-FR" altLang="fr-FR" sz="1600">
+                <a:solidFill>
+                  <a:schemeClr val="tx1">
+                    <a:lumMod val="65000"/>
+                    <a:lumOff val="35000"/>
+                  </a:schemeClr>
+                </a:solidFill>
+                <a:latin typeface="Consolas" panose="020B0609020204030204" pitchFamily="49" charset="0"/>
+              </a:rPr>
+              <a:t>Secondary</a:t>
+            </a:r>
+            <a:r>
+              <a:rPr lang="fr-FR" altLang="fr-FR" sz="1600">
+                <a:solidFill>
+                  <a:schemeClr val="accent6">
+                    <a:lumMod val="50000"/>
+                  </a:schemeClr>
+                </a:solidFill>
+                <a:latin typeface="Consolas" panose="020B0609020204030204" pitchFamily="49" charset="0"/>
+              </a:rPr>
+              <a:t>&lt;/button&gt; </a:t>
+            </a:r>
+          </a:p>
+          <a:p>
+            <a:pPr marL="0" marR="0" lvl="0" indent="0" algn="l" defTabSz="914400" rtl="0" eaLnBrk="0" fontAlgn="base" latinLnBrk="0" hangingPunct="0">
+              <a:lnSpc>
+                <a:spcPct val="100000"/>
+              </a:lnSpc>
+              <a:spcBef>
+                <a:spcPct val="0"/>
+              </a:spcBef>
+              <a:spcAft>
+                <a:spcPct val="0"/>
+              </a:spcAft>
+              <a:buClrTx/>
+              <a:buSzTx/>
+              <a:buFontTx/>
+              <a:buNone/>
+              <a:tabLst/>
+            </a:pPr>
+            <a:r>
+              <a:rPr lang="fr-FR" altLang="fr-FR" sz="1600">
+                <a:solidFill>
+                  <a:schemeClr val="accent6">
+                    <a:lumMod val="50000"/>
+                  </a:schemeClr>
+                </a:solidFill>
+                <a:latin typeface="Consolas" panose="020B0609020204030204" pitchFamily="49" charset="0"/>
+              </a:rPr>
+              <a:t>&lt;button type="button" </a:t>
+            </a:r>
+            <a:br>
+              <a:rPr lang="fr-FR" altLang="fr-FR" sz="1600">
+                <a:solidFill>
+                  <a:schemeClr val="accent6">
+                    <a:lumMod val="50000"/>
+                  </a:schemeClr>
+                </a:solidFill>
+                <a:latin typeface="Consolas" panose="020B0609020204030204" pitchFamily="49" charset="0"/>
+              </a:rPr>
+            </a:br>
+            <a:r>
+              <a:rPr lang="fr-FR" altLang="fr-FR" sz="1600">
+                <a:solidFill>
+                  <a:schemeClr val="accent6">
+                    <a:lumMod val="50000"/>
+                  </a:schemeClr>
+                </a:solidFill>
+                <a:latin typeface="Consolas" panose="020B0609020204030204" pitchFamily="49" charset="0"/>
+              </a:rPr>
+              <a:t>        class="btn </a:t>
+            </a:r>
+            <a:r>
+              <a:rPr lang="fr-FR" altLang="fr-FR" sz="1600">
+                <a:solidFill>
+                  <a:srgbClr val="00B050"/>
+                </a:solidFill>
+                <a:latin typeface="Consolas" panose="020B0609020204030204" pitchFamily="49" charset="0"/>
+              </a:rPr>
+              <a:t>btn-success</a:t>
+            </a:r>
+            <a:r>
+              <a:rPr lang="fr-FR" altLang="fr-FR" sz="1600">
+                <a:solidFill>
+                  <a:schemeClr val="accent6">
+                    <a:lumMod val="50000"/>
+                  </a:schemeClr>
+                </a:solidFill>
+                <a:latin typeface="Consolas" panose="020B0609020204030204" pitchFamily="49" charset="0"/>
+              </a:rPr>
+              <a:t>"&gt;</a:t>
+            </a:r>
+            <a:r>
+              <a:rPr lang="fr-FR" altLang="fr-FR" sz="1600">
+                <a:solidFill>
+                  <a:srgbClr val="00B050"/>
+                </a:solidFill>
+                <a:latin typeface="Consolas" panose="020B0609020204030204" pitchFamily="49" charset="0"/>
+              </a:rPr>
+              <a:t>Success</a:t>
+            </a:r>
+            <a:r>
+              <a:rPr lang="fr-FR" altLang="fr-FR" sz="1600">
+                <a:solidFill>
+                  <a:schemeClr val="accent6">
+                    <a:lumMod val="50000"/>
+                  </a:schemeClr>
+                </a:solidFill>
+                <a:latin typeface="Consolas" panose="020B0609020204030204" pitchFamily="49" charset="0"/>
+              </a:rPr>
+              <a:t>&lt;/button&gt;</a:t>
+            </a:r>
+          </a:p>
+          <a:p>
+            <a:pPr marL="0" marR="0" lvl="0" indent="0" algn="l" defTabSz="914400" rtl="0" eaLnBrk="0" fontAlgn="base" latinLnBrk="0" hangingPunct="0">
+              <a:lnSpc>
+                <a:spcPct val="100000"/>
+              </a:lnSpc>
+              <a:spcBef>
+                <a:spcPct val="0"/>
+              </a:spcBef>
+              <a:spcAft>
+                <a:spcPct val="0"/>
+              </a:spcAft>
+              <a:buClrTx/>
+              <a:buSzTx/>
+              <a:buFontTx/>
+              <a:buNone/>
+              <a:tabLst/>
+            </a:pPr>
+            <a:r>
+              <a:rPr lang="fr-FR" altLang="fr-FR" sz="1600">
+                <a:solidFill>
+                  <a:schemeClr val="accent6">
+                    <a:lumMod val="50000"/>
+                  </a:schemeClr>
+                </a:solidFill>
+                <a:latin typeface="Consolas" panose="020B0609020204030204" pitchFamily="49" charset="0"/>
+              </a:rPr>
+              <a:t>&lt;button type="button" </a:t>
+            </a:r>
+            <a:br>
+              <a:rPr lang="fr-FR" altLang="fr-FR" sz="1600">
+                <a:solidFill>
+                  <a:schemeClr val="accent6">
+                    <a:lumMod val="50000"/>
+                  </a:schemeClr>
+                </a:solidFill>
+                <a:latin typeface="Consolas" panose="020B0609020204030204" pitchFamily="49" charset="0"/>
+              </a:rPr>
+            </a:br>
+            <a:r>
+              <a:rPr lang="fr-FR" altLang="fr-FR" sz="1600">
+                <a:solidFill>
+                  <a:schemeClr val="accent6">
+                    <a:lumMod val="50000"/>
+                  </a:schemeClr>
+                </a:solidFill>
+                <a:latin typeface="Consolas" panose="020B0609020204030204" pitchFamily="49" charset="0"/>
+              </a:rPr>
+              <a:t>        class="btn </a:t>
+            </a:r>
+            <a:r>
+              <a:rPr lang="fr-FR" altLang="fr-FR" sz="1600">
+                <a:solidFill>
+                  <a:srgbClr val="FF0000"/>
+                </a:solidFill>
+                <a:latin typeface="Consolas" panose="020B0609020204030204" pitchFamily="49" charset="0"/>
+              </a:rPr>
+              <a:t>btn-danger</a:t>
+            </a:r>
+            <a:r>
+              <a:rPr lang="fr-FR" altLang="fr-FR" sz="1600">
+                <a:solidFill>
+                  <a:schemeClr val="accent6">
+                    <a:lumMod val="50000"/>
+                  </a:schemeClr>
+                </a:solidFill>
+                <a:latin typeface="Consolas" panose="020B0609020204030204" pitchFamily="49" charset="0"/>
+              </a:rPr>
+              <a:t>"&gt;</a:t>
+            </a:r>
+            <a:r>
+              <a:rPr lang="fr-FR" altLang="fr-FR" sz="1600">
+                <a:solidFill>
+                  <a:srgbClr val="FF0000"/>
+                </a:solidFill>
+                <a:latin typeface="Consolas" panose="020B0609020204030204" pitchFamily="49" charset="0"/>
+              </a:rPr>
+              <a:t>Danger</a:t>
+            </a:r>
+            <a:r>
+              <a:rPr lang="fr-FR" altLang="fr-FR" sz="1600">
+                <a:solidFill>
+                  <a:schemeClr val="accent6">
+                    <a:lumMod val="50000"/>
+                  </a:schemeClr>
+                </a:solidFill>
+                <a:latin typeface="Consolas" panose="020B0609020204030204" pitchFamily="49" charset="0"/>
+              </a:rPr>
+              <a:t>&lt;/button&gt; </a:t>
+            </a:r>
+          </a:p>
+          <a:p>
+            <a:pPr marL="0" marR="0" lvl="0" indent="0" algn="l" defTabSz="914400" rtl="0" eaLnBrk="0" fontAlgn="base" latinLnBrk="0" hangingPunct="0">
+              <a:lnSpc>
+                <a:spcPct val="100000"/>
+              </a:lnSpc>
+              <a:spcBef>
+                <a:spcPct val="0"/>
+              </a:spcBef>
+              <a:spcAft>
+                <a:spcPct val="0"/>
+              </a:spcAft>
+              <a:buClrTx/>
+              <a:buSzTx/>
+              <a:buFontTx/>
+              <a:buNone/>
+              <a:tabLst/>
+            </a:pPr>
+            <a:r>
+              <a:rPr lang="fr-FR" altLang="fr-FR" sz="1600">
+                <a:solidFill>
+                  <a:schemeClr val="accent6">
+                    <a:lumMod val="50000"/>
+                  </a:schemeClr>
+                </a:solidFill>
+                <a:latin typeface="Consolas" panose="020B0609020204030204" pitchFamily="49" charset="0"/>
+              </a:rPr>
+              <a:t>&lt;button type="button" </a:t>
+            </a:r>
+            <a:br>
+              <a:rPr lang="fr-FR" altLang="fr-FR" sz="1600">
+                <a:solidFill>
+                  <a:schemeClr val="accent6">
+                    <a:lumMod val="50000"/>
+                  </a:schemeClr>
+                </a:solidFill>
+                <a:latin typeface="Consolas" panose="020B0609020204030204" pitchFamily="49" charset="0"/>
+              </a:rPr>
+            </a:br>
+            <a:r>
+              <a:rPr lang="fr-FR" altLang="fr-FR" sz="1600">
+                <a:solidFill>
+                  <a:schemeClr val="accent6">
+                    <a:lumMod val="50000"/>
+                  </a:schemeClr>
+                </a:solidFill>
+                <a:latin typeface="Consolas" panose="020B0609020204030204" pitchFamily="49" charset="0"/>
+              </a:rPr>
+              <a:t>        class="btn </a:t>
+            </a:r>
+            <a:r>
+              <a:rPr lang="fr-FR" altLang="fr-FR" sz="1600">
+                <a:solidFill>
+                  <a:srgbClr val="FFC000"/>
+                </a:solidFill>
+                <a:latin typeface="Consolas" panose="020B0609020204030204" pitchFamily="49" charset="0"/>
+              </a:rPr>
+              <a:t>btn-warning</a:t>
+            </a:r>
+            <a:r>
+              <a:rPr lang="fr-FR" altLang="fr-FR" sz="1600">
+                <a:solidFill>
+                  <a:schemeClr val="accent6">
+                    <a:lumMod val="50000"/>
+                  </a:schemeClr>
+                </a:solidFill>
+                <a:latin typeface="Consolas" panose="020B0609020204030204" pitchFamily="49" charset="0"/>
+              </a:rPr>
+              <a:t>"&gt;</a:t>
+            </a:r>
+            <a:r>
+              <a:rPr lang="fr-FR" altLang="fr-FR" sz="1600">
+                <a:solidFill>
+                  <a:srgbClr val="FFC000"/>
+                </a:solidFill>
+                <a:latin typeface="Consolas" panose="020B0609020204030204" pitchFamily="49" charset="0"/>
+              </a:rPr>
+              <a:t>Warning</a:t>
+            </a:r>
+            <a:r>
+              <a:rPr lang="fr-FR" altLang="fr-FR" sz="1600">
+                <a:solidFill>
+                  <a:schemeClr val="accent6">
+                    <a:lumMod val="50000"/>
+                  </a:schemeClr>
+                </a:solidFill>
+                <a:latin typeface="Consolas" panose="020B0609020204030204" pitchFamily="49" charset="0"/>
+              </a:rPr>
+              <a:t>&lt;/button&gt; </a:t>
+            </a:r>
+          </a:p>
+          <a:p>
+            <a:pPr marL="0" marR="0" lvl="0" indent="0" algn="l" defTabSz="914400" rtl="0" eaLnBrk="0" fontAlgn="base" latinLnBrk="0" hangingPunct="0">
+              <a:lnSpc>
+                <a:spcPct val="100000"/>
+              </a:lnSpc>
+              <a:spcBef>
+                <a:spcPct val="0"/>
+              </a:spcBef>
+              <a:spcAft>
+                <a:spcPct val="0"/>
+              </a:spcAft>
+              <a:buClrTx/>
+              <a:buSzTx/>
+              <a:buFontTx/>
+              <a:buNone/>
+              <a:tabLst/>
+            </a:pPr>
+            <a:r>
+              <a:rPr lang="fr-FR" altLang="fr-FR" sz="1600">
+                <a:solidFill>
+                  <a:schemeClr val="accent6">
+                    <a:lumMod val="50000"/>
+                  </a:schemeClr>
+                </a:solidFill>
+                <a:latin typeface="Consolas" panose="020B0609020204030204" pitchFamily="49" charset="0"/>
+              </a:rPr>
+              <a:t>&lt;button type="button" </a:t>
+            </a:r>
+            <a:br>
+              <a:rPr lang="fr-FR" altLang="fr-FR" sz="1600">
+                <a:solidFill>
+                  <a:schemeClr val="accent6">
+                    <a:lumMod val="50000"/>
+                  </a:schemeClr>
+                </a:solidFill>
+                <a:latin typeface="Consolas" panose="020B0609020204030204" pitchFamily="49" charset="0"/>
+              </a:rPr>
+            </a:br>
+            <a:r>
+              <a:rPr lang="fr-FR" altLang="fr-FR" sz="1600">
+                <a:solidFill>
+                  <a:schemeClr val="accent6">
+                    <a:lumMod val="50000"/>
+                  </a:schemeClr>
+                </a:solidFill>
+                <a:latin typeface="Consolas" panose="020B0609020204030204" pitchFamily="49" charset="0"/>
+              </a:rPr>
+              <a:t>        class="btn </a:t>
+            </a:r>
+            <a:r>
+              <a:rPr lang="fr-FR" altLang="fr-FR" sz="1600">
+                <a:solidFill>
+                  <a:schemeClr val="accent4">
+                    <a:lumMod val="50000"/>
+                  </a:schemeClr>
+                </a:solidFill>
+                <a:latin typeface="Consolas" panose="020B0609020204030204" pitchFamily="49" charset="0"/>
+              </a:rPr>
+              <a:t>btn-info</a:t>
+            </a:r>
+            <a:r>
+              <a:rPr lang="fr-FR" altLang="fr-FR" sz="1600">
+                <a:solidFill>
+                  <a:schemeClr val="accent6">
+                    <a:lumMod val="50000"/>
+                  </a:schemeClr>
+                </a:solidFill>
+                <a:latin typeface="Consolas" panose="020B0609020204030204" pitchFamily="49" charset="0"/>
+              </a:rPr>
+              <a:t>"&gt;</a:t>
+            </a:r>
+            <a:r>
+              <a:rPr lang="fr-FR" altLang="fr-FR" sz="1600">
+                <a:solidFill>
+                  <a:schemeClr val="accent4">
+                    <a:lumMod val="50000"/>
+                  </a:schemeClr>
+                </a:solidFill>
+                <a:latin typeface="Consolas" panose="020B0609020204030204" pitchFamily="49" charset="0"/>
+              </a:rPr>
+              <a:t>Info</a:t>
+            </a:r>
+            <a:r>
+              <a:rPr lang="fr-FR" altLang="fr-FR" sz="1600">
+                <a:solidFill>
+                  <a:schemeClr val="accent6">
+                    <a:lumMod val="50000"/>
+                  </a:schemeClr>
+                </a:solidFill>
+                <a:latin typeface="Consolas" panose="020B0609020204030204" pitchFamily="49" charset="0"/>
+              </a:rPr>
+              <a:t>&lt;/button&gt; </a:t>
+            </a:r>
+          </a:p>
+          <a:p>
+            <a:pPr marL="0" marR="0" lvl="0" indent="0" algn="l" defTabSz="914400" rtl="0" eaLnBrk="0" fontAlgn="base" latinLnBrk="0" hangingPunct="0">
+              <a:lnSpc>
+                <a:spcPct val="100000"/>
+              </a:lnSpc>
+              <a:spcBef>
+                <a:spcPct val="0"/>
+              </a:spcBef>
+              <a:spcAft>
+                <a:spcPct val="0"/>
+              </a:spcAft>
+              <a:buClrTx/>
+              <a:buSzTx/>
+              <a:buFontTx/>
+              <a:buNone/>
+              <a:tabLst/>
+            </a:pPr>
+            <a:r>
+              <a:rPr lang="fr-FR" altLang="fr-FR" sz="1600">
+                <a:solidFill>
+                  <a:schemeClr val="accent6">
+                    <a:lumMod val="50000"/>
+                  </a:schemeClr>
+                </a:solidFill>
+                <a:latin typeface="Consolas" panose="020B0609020204030204" pitchFamily="49" charset="0"/>
+              </a:rPr>
+              <a:t>&lt;button type="button" </a:t>
+            </a:r>
+            <a:br>
+              <a:rPr lang="fr-FR" altLang="fr-FR" sz="1600">
+                <a:solidFill>
+                  <a:schemeClr val="accent6">
+                    <a:lumMod val="50000"/>
+                  </a:schemeClr>
+                </a:solidFill>
+                <a:latin typeface="Consolas" panose="020B0609020204030204" pitchFamily="49" charset="0"/>
+              </a:rPr>
+            </a:br>
+            <a:r>
+              <a:rPr lang="fr-FR" altLang="fr-FR" sz="1600">
+                <a:solidFill>
+                  <a:schemeClr val="accent6">
+                    <a:lumMod val="50000"/>
+                  </a:schemeClr>
+                </a:solidFill>
+                <a:latin typeface="Consolas" panose="020B0609020204030204" pitchFamily="49" charset="0"/>
+              </a:rPr>
+              <a:t>        class="btn </a:t>
+            </a:r>
+            <a:r>
+              <a:rPr lang="fr-FR" altLang="fr-FR" sz="1600">
+                <a:solidFill>
+                  <a:schemeClr val="bg1">
+                    <a:lumMod val="65000"/>
+                  </a:schemeClr>
+                </a:solidFill>
+                <a:latin typeface="Consolas" panose="020B0609020204030204" pitchFamily="49" charset="0"/>
+              </a:rPr>
+              <a:t>btn-light</a:t>
+            </a:r>
+            <a:r>
+              <a:rPr lang="fr-FR" altLang="fr-FR" sz="1600">
+                <a:solidFill>
+                  <a:schemeClr val="accent6">
+                    <a:lumMod val="50000"/>
+                  </a:schemeClr>
+                </a:solidFill>
+                <a:latin typeface="Consolas" panose="020B0609020204030204" pitchFamily="49" charset="0"/>
+              </a:rPr>
+              <a:t>"&gt;</a:t>
+            </a:r>
+            <a:r>
+              <a:rPr lang="fr-FR" altLang="fr-FR" sz="1600">
+                <a:solidFill>
+                  <a:schemeClr val="bg1">
+                    <a:lumMod val="65000"/>
+                  </a:schemeClr>
+                </a:solidFill>
+                <a:latin typeface="Consolas" panose="020B0609020204030204" pitchFamily="49" charset="0"/>
+              </a:rPr>
+              <a:t>Light</a:t>
+            </a:r>
+            <a:r>
+              <a:rPr lang="fr-FR" altLang="fr-FR" sz="1600">
+                <a:solidFill>
+                  <a:schemeClr val="accent6">
+                    <a:lumMod val="50000"/>
+                  </a:schemeClr>
+                </a:solidFill>
+                <a:latin typeface="Consolas" panose="020B0609020204030204" pitchFamily="49" charset="0"/>
+              </a:rPr>
+              <a:t>&lt;/button&gt; </a:t>
+            </a:r>
+          </a:p>
+          <a:p>
+            <a:pPr marL="0" marR="0" lvl="0" indent="0" algn="l" defTabSz="914400" rtl="0" eaLnBrk="0" fontAlgn="base" latinLnBrk="0" hangingPunct="0">
+              <a:lnSpc>
+                <a:spcPct val="100000"/>
+              </a:lnSpc>
+              <a:spcBef>
+                <a:spcPct val="0"/>
+              </a:spcBef>
+              <a:spcAft>
+                <a:spcPct val="0"/>
+              </a:spcAft>
+              <a:buClrTx/>
+              <a:buSzTx/>
+              <a:buFontTx/>
+              <a:buNone/>
+              <a:tabLst/>
+            </a:pPr>
+            <a:r>
+              <a:rPr lang="fr-FR" altLang="fr-FR" sz="1600">
+                <a:solidFill>
+                  <a:schemeClr val="accent6">
+                    <a:lumMod val="50000"/>
+                  </a:schemeClr>
+                </a:solidFill>
+                <a:latin typeface="Consolas" panose="020B0609020204030204" pitchFamily="49" charset="0"/>
+              </a:rPr>
+              <a:t>&lt;button type="button" </a:t>
+            </a:r>
+            <a:br>
+              <a:rPr lang="fr-FR" altLang="fr-FR" sz="1600">
+                <a:solidFill>
+                  <a:schemeClr val="accent6">
+                    <a:lumMod val="50000"/>
+                  </a:schemeClr>
+                </a:solidFill>
+                <a:latin typeface="Consolas" panose="020B0609020204030204" pitchFamily="49" charset="0"/>
+              </a:rPr>
+            </a:br>
+            <a:r>
+              <a:rPr lang="fr-FR" altLang="fr-FR" sz="1600">
+                <a:solidFill>
+                  <a:schemeClr val="accent6">
+                    <a:lumMod val="50000"/>
+                  </a:schemeClr>
+                </a:solidFill>
+                <a:latin typeface="Consolas" panose="020B0609020204030204" pitchFamily="49" charset="0"/>
+              </a:rPr>
+              <a:t>        class="btn </a:t>
+            </a:r>
+            <a:r>
+              <a:rPr lang="fr-FR" altLang="fr-FR" sz="1600">
+                <a:latin typeface="Consolas" panose="020B0609020204030204" pitchFamily="49" charset="0"/>
+              </a:rPr>
+              <a:t>btn-dark</a:t>
+            </a:r>
+            <a:r>
+              <a:rPr lang="fr-FR" altLang="fr-FR" sz="1600">
+                <a:solidFill>
+                  <a:schemeClr val="accent6">
+                    <a:lumMod val="50000"/>
+                  </a:schemeClr>
+                </a:solidFill>
+                <a:latin typeface="Consolas" panose="020B0609020204030204" pitchFamily="49" charset="0"/>
+              </a:rPr>
+              <a:t>"&gt;</a:t>
+            </a:r>
+            <a:r>
+              <a:rPr lang="fr-FR" altLang="fr-FR" sz="1600">
+                <a:latin typeface="Consolas" panose="020B0609020204030204" pitchFamily="49" charset="0"/>
+              </a:rPr>
+              <a:t>Dark</a:t>
+            </a:r>
+            <a:r>
+              <a:rPr lang="fr-FR" altLang="fr-FR" sz="1600">
+                <a:solidFill>
+                  <a:schemeClr val="accent6">
+                    <a:lumMod val="50000"/>
+                  </a:schemeClr>
+                </a:solidFill>
+                <a:latin typeface="Consolas" panose="020B0609020204030204" pitchFamily="49" charset="0"/>
+              </a:rPr>
+              <a:t>&lt;/button&gt; </a:t>
+            </a:r>
+          </a:p>
+          <a:p>
+            <a:pPr marL="0" marR="0" lvl="0" indent="0" algn="l" defTabSz="914400" rtl="0" eaLnBrk="0" fontAlgn="base" latinLnBrk="0" hangingPunct="0">
+              <a:lnSpc>
+                <a:spcPct val="100000"/>
+              </a:lnSpc>
+              <a:spcBef>
+                <a:spcPct val="0"/>
+              </a:spcBef>
+              <a:spcAft>
+                <a:spcPct val="0"/>
+              </a:spcAft>
+              <a:buClrTx/>
+              <a:buSzTx/>
+              <a:buFontTx/>
+              <a:buNone/>
+              <a:tabLst/>
+            </a:pPr>
+            <a:r>
+              <a:rPr lang="fr-FR" altLang="fr-FR" sz="1600">
+                <a:solidFill>
+                  <a:schemeClr val="accent6">
+                    <a:lumMod val="50000"/>
+                  </a:schemeClr>
+                </a:solidFill>
+                <a:latin typeface="Consolas" panose="020B0609020204030204" pitchFamily="49" charset="0"/>
+              </a:rPr>
+              <a:t>&lt;button type="button" </a:t>
+            </a:r>
+            <a:br>
+              <a:rPr lang="fr-FR" altLang="fr-FR" sz="1600">
+                <a:solidFill>
+                  <a:schemeClr val="accent6">
+                    <a:lumMod val="50000"/>
+                  </a:schemeClr>
+                </a:solidFill>
+                <a:latin typeface="Consolas" panose="020B0609020204030204" pitchFamily="49" charset="0"/>
+              </a:rPr>
+            </a:br>
+            <a:r>
+              <a:rPr lang="fr-FR" altLang="fr-FR" sz="1600">
+                <a:solidFill>
+                  <a:schemeClr val="accent6">
+                    <a:lumMod val="50000"/>
+                  </a:schemeClr>
+                </a:solidFill>
+                <a:latin typeface="Consolas" panose="020B0609020204030204" pitchFamily="49" charset="0"/>
+              </a:rPr>
+              <a:t>        class="btn </a:t>
+            </a:r>
+            <a:r>
+              <a:rPr lang="fr-FR" altLang="fr-FR" sz="1600">
+                <a:solidFill>
+                  <a:schemeClr val="bg1"/>
+                </a:solidFill>
+                <a:highlight>
+                  <a:srgbClr val="0000FF"/>
+                </a:highlight>
+                <a:latin typeface="Consolas" panose="020B0609020204030204" pitchFamily="49" charset="0"/>
+              </a:rPr>
+              <a:t>btn-link</a:t>
+            </a:r>
+            <a:r>
+              <a:rPr lang="fr-FR" altLang="fr-FR" sz="1600">
+                <a:solidFill>
+                  <a:schemeClr val="accent6">
+                    <a:lumMod val="50000"/>
+                  </a:schemeClr>
+                </a:solidFill>
+                <a:latin typeface="Consolas" panose="020B0609020204030204" pitchFamily="49" charset="0"/>
+              </a:rPr>
+              <a:t>"&gt;</a:t>
+            </a:r>
+            <a:r>
+              <a:rPr lang="fr-FR" altLang="fr-FR" sz="1600">
+                <a:solidFill>
+                  <a:schemeClr val="bg1"/>
+                </a:solidFill>
+                <a:highlight>
+                  <a:srgbClr val="0000FF"/>
+                </a:highlight>
+                <a:latin typeface="Consolas" panose="020B0609020204030204" pitchFamily="49" charset="0"/>
+              </a:rPr>
+              <a:t>Link</a:t>
+            </a:r>
+            <a:r>
+              <a:rPr lang="fr-FR" altLang="fr-FR" sz="1600">
+                <a:solidFill>
+                  <a:schemeClr val="accent6">
+                    <a:lumMod val="50000"/>
+                  </a:schemeClr>
+                </a:solidFill>
+                <a:latin typeface="Consolas" panose="020B0609020204030204" pitchFamily="49" charset="0"/>
+              </a:rPr>
+              <a:t>&lt;/button&gt; </a:t>
+            </a:r>
+          </a:p>
+        </p:txBody>
+      </p:sp>
     </p:spTree>
     <p:extLst>
       <p:ext uri="{BB962C8B-B14F-4D97-AF65-F5344CB8AC3E}">
@@ -13303,7 +14838,7 @@
   <a:extraClrSchemeLst/>
   <a:extLst>
     <a:ext uri="{05A4C25C-085E-4340-85A3-A5531E510DB2}">
-      <thm15:themeFamily xmlns:thm15="http://schemas.microsoft.com/office/thememl/2012/main" name="burotix2022.potm" id="{6D89F597-8B8C-4F0C-8DF3-DDF130C750C4}" vid="{125088A4-7B94-4011-ADDC-52FCB334EBBE}"/>
+      <thm15:themeFamily xmlns:thm15="http://schemas.microsoft.com/office/thememl/2012/main" name="burotix2022.potm" id="{7A707283-01BA-4932-B574-4A389620091B}" vid="{093B5C4F-DD58-40B6-A0EE-0D8451AE628D}"/>
     </a:ext>
   </a:extLst>
 </a:theme>
